--- a/Python과제/Python_12강.pptx
+++ b/Python과제/Python_12강.pptx
@@ -6,28 +6,36 @@
   </p:sldMasterIdLst>
   <p:sldIdLst>
     <p:sldId id="256" r:id="rId2"/>
-    <p:sldId id="257" r:id="rId3"/>
-    <p:sldId id="258" r:id="rId4"/>
-    <p:sldId id="259" r:id="rId5"/>
-    <p:sldId id="260" r:id="rId6"/>
-    <p:sldId id="261" r:id="rId7"/>
-    <p:sldId id="262" r:id="rId8"/>
-    <p:sldId id="263" r:id="rId9"/>
-    <p:sldId id="264" r:id="rId10"/>
-    <p:sldId id="265" r:id="rId11"/>
-    <p:sldId id="266" r:id="rId12"/>
-    <p:sldId id="267" r:id="rId13"/>
-    <p:sldId id="268" r:id="rId14"/>
-    <p:sldId id="269" r:id="rId15"/>
-    <p:sldId id="270" r:id="rId16"/>
-    <p:sldId id="271" r:id="rId17"/>
-    <p:sldId id="272" r:id="rId18"/>
-    <p:sldId id="273" r:id="rId19"/>
-    <p:sldId id="274" r:id="rId20"/>
-    <p:sldId id="275" r:id="rId21"/>
-    <p:sldId id="276" r:id="rId22"/>
-    <p:sldId id="277" r:id="rId23"/>
-    <p:sldId id="278" r:id="rId24"/>
+    <p:sldId id="286" r:id="rId3"/>
+    <p:sldId id="287" r:id="rId4"/>
+    <p:sldId id="257" r:id="rId5"/>
+    <p:sldId id="258" r:id="rId6"/>
+    <p:sldId id="259" r:id="rId7"/>
+    <p:sldId id="260" r:id="rId8"/>
+    <p:sldId id="261" r:id="rId9"/>
+    <p:sldId id="262" r:id="rId10"/>
+    <p:sldId id="263" r:id="rId11"/>
+    <p:sldId id="288" r:id="rId12"/>
+    <p:sldId id="264" r:id="rId13"/>
+    <p:sldId id="265" r:id="rId14"/>
+    <p:sldId id="266" r:id="rId15"/>
+    <p:sldId id="267" r:id="rId16"/>
+    <p:sldId id="268" r:id="rId17"/>
+    <p:sldId id="269" r:id="rId18"/>
+    <p:sldId id="270" r:id="rId19"/>
+    <p:sldId id="271" r:id="rId20"/>
+    <p:sldId id="272" r:id="rId21"/>
+    <p:sldId id="273" r:id="rId22"/>
+    <p:sldId id="274" r:id="rId23"/>
+    <p:sldId id="292" r:id="rId24"/>
+    <p:sldId id="275" r:id="rId25"/>
+    <p:sldId id="276" r:id="rId26"/>
+    <p:sldId id="293" r:id="rId27"/>
+    <p:sldId id="294" r:id="rId28"/>
+    <p:sldId id="277" r:id="rId29"/>
+    <p:sldId id="295" r:id="rId30"/>
+    <p:sldId id="291" r:id="rId31"/>
+    <p:sldId id="278" r:id="rId32"/>
   </p:sldIdLst>
   <p:sldSz cx="12192000" cy="6858000"/>
   <p:notesSz cx="6858000" cy="9144000"/>
@@ -330,7 +338,7 @@
           <a:p>
             <a:fld id="{96DFF08F-DC6B-4601-B491-B0F83F6DD2DA}" type="datetimeFigureOut">
               <a:rPr lang="en-US" smtClean="0"/>
-              <a:t>5/4/2023</a:t>
+              <a:t>5/7/2023</a:t>
             </a:fld>
             <a:endParaRPr lang="en-US" dirty="0"/>
           </a:p>
@@ -551,7 +559,7 @@
           <a:p>
             <a:fld id="{96DFF08F-DC6B-4601-B491-B0F83F6DD2DA}" type="datetimeFigureOut">
               <a:rPr lang="en-US" smtClean="0"/>
-              <a:t>5/4/2023</a:t>
+              <a:t>5/7/2023</a:t>
             </a:fld>
             <a:endParaRPr lang="en-US" dirty="0"/>
           </a:p>
@@ -731,7 +739,7 @@
           <a:p>
             <a:fld id="{96DFF08F-DC6B-4601-B491-B0F83F6DD2DA}" type="datetimeFigureOut">
               <a:rPr lang="en-US" smtClean="0"/>
-              <a:t>5/4/2023</a:t>
+              <a:t>5/7/2023</a:t>
             </a:fld>
             <a:endParaRPr lang="en-US" dirty="0"/>
           </a:p>
@@ -901,7 +909,7 @@
           <a:p>
             <a:fld id="{96DFF08F-DC6B-4601-B491-B0F83F6DD2DA}" type="datetimeFigureOut">
               <a:rPr lang="en-US" smtClean="0"/>
-              <a:t>5/4/2023</a:t>
+              <a:t>5/7/2023</a:t>
             </a:fld>
             <a:endParaRPr lang="en-US" dirty="0"/>
           </a:p>
@@ -1152,7 +1160,7 @@
           <a:p>
             <a:fld id="{96DFF08F-DC6B-4601-B491-B0F83F6DD2DA}" type="datetimeFigureOut">
               <a:rPr lang="en-US" smtClean="0"/>
-              <a:t>5/4/2023</a:t>
+              <a:t>5/7/2023</a:t>
             </a:fld>
             <a:endParaRPr lang="en-US" dirty="0"/>
           </a:p>
@@ -1475,7 +1483,7 @@
           <a:p>
             <a:fld id="{96DFF08F-DC6B-4601-B491-B0F83F6DD2DA}" type="datetimeFigureOut">
               <a:rPr lang="en-US" smtClean="0"/>
-              <a:t>5/4/2023</a:t>
+              <a:t>5/7/2023</a:t>
             </a:fld>
             <a:endParaRPr lang="en-US" dirty="0"/>
           </a:p>
@@ -1899,7 +1907,7 @@
           <a:p>
             <a:fld id="{96DFF08F-DC6B-4601-B491-B0F83F6DD2DA}" type="datetimeFigureOut">
               <a:rPr lang="en-US" smtClean="0"/>
-              <a:t>5/4/2023</a:t>
+              <a:t>5/7/2023</a:t>
             </a:fld>
             <a:endParaRPr lang="en-US" dirty="0"/>
           </a:p>
@@ -2017,7 +2025,7 @@
           <a:p>
             <a:fld id="{96DFF08F-DC6B-4601-B491-B0F83F6DD2DA}" type="datetimeFigureOut">
               <a:rPr lang="en-US" smtClean="0"/>
-              <a:t>5/4/2023</a:t>
+              <a:t>5/7/2023</a:t>
             </a:fld>
             <a:endParaRPr lang="en-US" dirty="0"/>
           </a:p>
@@ -2112,7 +2120,7 @@
           <a:p>
             <a:fld id="{96DFF08F-DC6B-4601-B491-B0F83F6DD2DA}" type="datetimeFigureOut">
               <a:rPr lang="en-US" smtClean="0"/>
-              <a:t>5/4/2023</a:t>
+              <a:t>5/7/2023</a:t>
             </a:fld>
             <a:endParaRPr lang="en-US" dirty="0"/>
           </a:p>
@@ -2402,7 +2410,7 @@
           <a:p>
             <a:fld id="{96DFF08F-DC6B-4601-B491-B0F83F6DD2DA}" type="datetimeFigureOut">
               <a:rPr lang="en-US" smtClean="0"/>
-              <a:t>5/4/2023</a:t>
+              <a:t>5/7/2023</a:t>
             </a:fld>
             <a:endParaRPr lang="en-US" dirty="0"/>
           </a:p>
@@ -2674,7 +2682,7 @@
           <a:p>
             <a:fld id="{96DFF08F-DC6B-4601-B491-B0F83F6DD2DA}" type="datetimeFigureOut">
               <a:rPr lang="en-US" smtClean="0"/>
-              <a:t>5/4/2023</a:t>
+              <a:t>5/7/2023</a:t>
             </a:fld>
             <a:endParaRPr lang="en-US" dirty="0"/>
           </a:p>
@@ -2929,7 +2937,7 @@
             <a:fld id="{96DFF08F-DC6B-4601-B491-B0F83F6DD2DA}" type="datetimeFigureOut">
               <a:rPr lang="en-US" smtClean="0"/>
               <a:pPr/>
-              <a:t>5/4/2023</a:t>
+              <a:t>5/7/2023</a:t>
             </a:fld>
             <a:endParaRPr lang="en-US" dirty="0"/>
           </a:p>
@@ -3554,6 +3562,431 @@
           <p:cNvPr id="3" name="그림 2">
             <a:extLst>
               <a:ext uri="{FF2B5EF4-FFF2-40B4-BE49-F238E27FC236}">
+                <a16:creationId xmlns:a16="http://schemas.microsoft.com/office/drawing/2014/main" id="{D05C12CD-E7CC-8E65-3810-622B12D71A43}"/>
+              </a:ext>
+            </a:extLst>
+          </p:cNvPr>
+          <p:cNvPicPr>
+            <a:picLocks noChangeAspect="1"/>
+          </p:cNvPicPr>
+          <p:nvPr/>
+        </p:nvPicPr>
+        <p:blipFill>
+          <a:blip r:embed="rId2"/>
+          <a:stretch>
+            <a:fillRect/>
+          </a:stretch>
+        </p:blipFill>
+        <p:spPr>
+          <a:xfrm>
+            <a:off x="401138" y="342900"/>
+            <a:ext cx="936140" cy="6188529"/>
+          </a:xfrm>
+          <a:prstGeom prst="rect">
+            <a:avLst/>
+          </a:prstGeom>
+        </p:spPr>
+      </p:pic>
+      <p:pic>
+        <p:nvPicPr>
+          <p:cNvPr id="5" name="그림 4">
+            <a:extLst>
+              <a:ext uri="{FF2B5EF4-FFF2-40B4-BE49-F238E27FC236}">
+                <a16:creationId xmlns:a16="http://schemas.microsoft.com/office/drawing/2014/main" id="{A6D7B6B9-CD54-B2EA-661F-95279184785B}"/>
+              </a:ext>
+            </a:extLst>
+          </p:cNvPr>
+          <p:cNvPicPr>
+            <a:picLocks noChangeAspect="1"/>
+          </p:cNvPicPr>
+          <p:nvPr/>
+        </p:nvPicPr>
+        <p:blipFill>
+          <a:blip r:embed="rId3"/>
+          <a:stretch>
+            <a:fillRect/>
+          </a:stretch>
+        </p:blipFill>
+        <p:spPr>
+          <a:xfrm>
+            <a:off x="1337278" y="342900"/>
+            <a:ext cx="921543" cy="6172200"/>
+          </a:xfrm>
+          <a:prstGeom prst="rect">
+            <a:avLst/>
+          </a:prstGeom>
+        </p:spPr>
+      </p:pic>
+      <p:pic>
+        <p:nvPicPr>
+          <p:cNvPr id="7" name="그림 6">
+            <a:extLst>
+              <a:ext uri="{FF2B5EF4-FFF2-40B4-BE49-F238E27FC236}">
+                <a16:creationId xmlns:a16="http://schemas.microsoft.com/office/drawing/2014/main" id="{90998711-C43B-09B0-D62D-ADA3DAA6A853}"/>
+              </a:ext>
+            </a:extLst>
+          </p:cNvPr>
+          <p:cNvPicPr>
+            <a:picLocks noChangeAspect="1"/>
+          </p:cNvPicPr>
+          <p:nvPr/>
+        </p:nvPicPr>
+        <p:blipFill>
+          <a:blip r:embed="rId4"/>
+          <a:stretch>
+            <a:fillRect/>
+          </a:stretch>
+        </p:blipFill>
+        <p:spPr>
+          <a:xfrm>
+            <a:off x="2278861" y="342900"/>
+            <a:ext cx="917881" cy="6188529"/>
+          </a:xfrm>
+          <a:prstGeom prst="rect">
+            <a:avLst/>
+          </a:prstGeom>
+        </p:spPr>
+      </p:pic>
+      <p:pic>
+        <p:nvPicPr>
+          <p:cNvPr id="9" name="그림 8">
+            <a:extLst>
+              <a:ext uri="{FF2B5EF4-FFF2-40B4-BE49-F238E27FC236}">
+                <a16:creationId xmlns:a16="http://schemas.microsoft.com/office/drawing/2014/main" id="{A9AA3E8E-DED3-0256-4FF8-408C68C8689F}"/>
+              </a:ext>
+            </a:extLst>
+          </p:cNvPr>
+          <p:cNvPicPr>
+            <a:picLocks noChangeAspect="1"/>
+          </p:cNvPicPr>
+          <p:nvPr/>
+        </p:nvPicPr>
+        <p:blipFill>
+          <a:blip r:embed="rId5"/>
+          <a:stretch>
+            <a:fillRect/>
+          </a:stretch>
+        </p:blipFill>
+        <p:spPr>
+          <a:xfrm>
+            <a:off x="3216782" y="342900"/>
+            <a:ext cx="929071" cy="6172200"/>
+          </a:xfrm>
+          <a:prstGeom prst="rect">
+            <a:avLst/>
+          </a:prstGeom>
+        </p:spPr>
+      </p:pic>
+      <p:pic>
+        <p:nvPicPr>
+          <p:cNvPr id="11" name="그림 10">
+            <a:extLst>
+              <a:ext uri="{FF2B5EF4-FFF2-40B4-BE49-F238E27FC236}">
+                <a16:creationId xmlns:a16="http://schemas.microsoft.com/office/drawing/2014/main" id="{37C9E3A2-DCEF-A613-6077-A67F2ACC2E2C}"/>
+              </a:ext>
+            </a:extLst>
+          </p:cNvPr>
+          <p:cNvPicPr>
+            <a:picLocks noChangeAspect="1"/>
+          </p:cNvPicPr>
+          <p:nvPr/>
+        </p:nvPicPr>
+        <p:blipFill>
+          <a:blip r:embed="rId6"/>
+          <a:stretch>
+            <a:fillRect/>
+          </a:stretch>
+        </p:blipFill>
+        <p:spPr>
+          <a:xfrm>
+            <a:off x="4165894" y="342900"/>
+            <a:ext cx="917882" cy="6188534"/>
+          </a:xfrm>
+          <a:prstGeom prst="rect">
+            <a:avLst/>
+          </a:prstGeom>
+        </p:spPr>
+      </p:pic>
+      <p:pic>
+        <p:nvPicPr>
+          <p:cNvPr id="13" name="그림 12">
+            <a:extLst>
+              <a:ext uri="{FF2B5EF4-FFF2-40B4-BE49-F238E27FC236}">
+                <a16:creationId xmlns:a16="http://schemas.microsoft.com/office/drawing/2014/main" id="{FCE8BF9B-E050-1B85-C81E-1E9A9DD1A953}"/>
+              </a:ext>
+            </a:extLst>
+          </p:cNvPr>
+          <p:cNvPicPr>
+            <a:picLocks noChangeAspect="1"/>
+          </p:cNvPicPr>
+          <p:nvPr/>
+        </p:nvPicPr>
+        <p:blipFill>
+          <a:blip r:embed="rId7"/>
+          <a:stretch>
+            <a:fillRect/>
+          </a:stretch>
+        </p:blipFill>
+        <p:spPr>
+          <a:xfrm>
+            <a:off x="5115005" y="342900"/>
+            <a:ext cx="894003" cy="6172200"/>
+          </a:xfrm>
+          <a:prstGeom prst="rect">
+            <a:avLst/>
+          </a:prstGeom>
+        </p:spPr>
+      </p:pic>
+      <p:pic>
+        <p:nvPicPr>
+          <p:cNvPr id="15" name="그림 14">
+            <a:extLst>
+              <a:ext uri="{FF2B5EF4-FFF2-40B4-BE49-F238E27FC236}">
+                <a16:creationId xmlns:a16="http://schemas.microsoft.com/office/drawing/2014/main" id="{0BB8B73E-8694-6E5C-32FC-DCD835757127}"/>
+              </a:ext>
+            </a:extLst>
+          </p:cNvPr>
+          <p:cNvPicPr>
+            <a:picLocks noChangeAspect="1"/>
+          </p:cNvPicPr>
+          <p:nvPr/>
+        </p:nvPicPr>
+        <p:blipFill>
+          <a:blip r:embed="rId8"/>
+          <a:stretch>
+            <a:fillRect/>
+          </a:stretch>
+        </p:blipFill>
+        <p:spPr>
+          <a:xfrm>
+            <a:off x="6074137" y="342900"/>
+            <a:ext cx="894003" cy="6229182"/>
+          </a:xfrm>
+          <a:prstGeom prst="rect">
+            <a:avLst/>
+          </a:prstGeom>
+        </p:spPr>
+      </p:pic>
+      <p:pic>
+        <p:nvPicPr>
+          <p:cNvPr id="17" name="그림 16">
+            <a:extLst>
+              <a:ext uri="{FF2B5EF4-FFF2-40B4-BE49-F238E27FC236}">
+                <a16:creationId xmlns:a16="http://schemas.microsoft.com/office/drawing/2014/main" id="{1045CAE7-61AC-5227-C598-64521C8726A3}"/>
+              </a:ext>
+            </a:extLst>
+          </p:cNvPr>
+          <p:cNvPicPr>
+            <a:picLocks noChangeAspect="1"/>
+          </p:cNvPicPr>
+          <p:nvPr/>
+        </p:nvPicPr>
+        <p:blipFill>
+          <a:blip r:embed="rId9"/>
+          <a:stretch>
+            <a:fillRect/>
+          </a:stretch>
+        </p:blipFill>
+        <p:spPr>
+          <a:xfrm>
+            <a:off x="7033269" y="342900"/>
+            <a:ext cx="925232" cy="3122658"/>
+          </a:xfrm>
+          <a:prstGeom prst="rect">
+            <a:avLst/>
+          </a:prstGeom>
+        </p:spPr>
+      </p:pic>
+    </p:spTree>
+    <p:extLst>
+      <p:ext uri="{BB962C8B-B14F-4D97-AF65-F5344CB8AC3E}">
+        <p14:creationId xmlns:p14="http://schemas.microsoft.com/office/powerpoint/2010/main" val="1757203847"/>
+      </p:ext>
+    </p:extLst>
+  </p:cSld>
+  <p:clrMapOvr>
+    <a:masterClrMapping/>
+  </p:clrMapOvr>
+</p:sld>
+</file>
+
+<file path=ppt/slides/slide11.xml><?xml version="1.0" encoding="utf-8"?>
+<p:sld xmlns:a="http://schemas.openxmlformats.org/drawingml/2006/main" xmlns:r="http://schemas.openxmlformats.org/officeDocument/2006/relationships" xmlns:p="http://schemas.openxmlformats.org/presentationml/2006/main">
+  <p:cSld>
+    <p:spTree>
+      <p:nvGrpSpPr>
+        <p:cNvPr id="1" name=""/>
+        <p:cNvGrpSpPr/>
+        <p:nvPr/>
+      </p:nvGrpSpPr>
+      <p:grpSpPr>
+        <a:xfrm>
+          <a:off x="0" y="0"/>
+          <a:ext cx="0" cy="0"/>
+          <a:chOff x="0" y="0"/>
+          <a:chExt cx="0" cy="0"/>
+        </a:xfrm>
+      </p:grpSpPr>
+      <p:sp>
+        <p:nvSpPr>
+          <p:cNvPr id="2" name="TextBox 1">
+            <a:extLst>
+              <a:ext uri="{FF2B5EF4-FFF2-40B4-BE49-F238E27FC236}">
+                <a16:creationId xmlns:a16="http://schemas.microsoft.com/office/drawing/2014/main" id="{6D5E47BA-144B-6E25-E282-8F211ABD5221}"/>
+              </a:ext>
+            </a:extLst>
+          </p:cNvPr>
+          <p:cNvSpPr txBox="1"/>
+          <p:nvPr/>
+        </p:nvSpPr>
+        <p:spPr>
+          <a:xfrm>
+            <a:off x="1139371" y="2610838"/>
+            <a:ext cx="9913258" cy="830997"/>
+          </a:xfrm>
+          <a:prstGeom prst="rect">
+            <a:avLst/>
+          </a:prstGeom>
+          <a:noFill/>
+        </p:spPr>
+        <p:txBody>
+          <a:bodyPr wrap="square" rtlCol="0">
+            <a:spAutoFit/>
+          </a:bodyPr>
+          <a:lstStyle/>
+          <a:p>
+            <a:pPr algn="ctr"/>
+            <a:r>
+              <a:rPr lang="en-US" altLang="ko-KR" sz="4800" b="1" dirty="0">
+                <a:solidFill>
+                  <a:schemeClr val="accent1"/>
+                </a:solidFill>
+                <a:latin typeface="+mn-ea"/>
+              </a:rPr>
+              <a:t>&lt; </a:t>
+            </a:r>
+            <a:r>
+              <a:rPr lang="ko-KR" altLang="en-US" sz="4800" b="1" dirty="0">
+                <a:solidFill>
+                  <a:schemeClr val="accent1"/>
+                </a:solidFill>
+                <a:latin typeface="+mn-ea"/>
+              </a:rPr>
+              <a:t>데이터베이스 기초 </a:t>
+            </a:r>
+            <a:r>
+              <a:rPr lang="en-US" altLang="ko-KR" sz="4800" b="1" dirty="0">
+                <a:solidFill>
+                  <a:schemeClr val="accent1"/>
+                </a:solidFill>
+                <a:latin typeface="+mn-ea"/>
+              </a:rPr>
+              <a:t>&gt;</a:t>
+            </a:r>
+            <a:endParaRPr lang="ko-KR" altLang="en-US" sz="4800" b="1" dirty="0">
+              <a:solidFill>
+                <a:schemeClr val="accent1"/>
+              </a:solidFill>
+              <a:latin typeface="+mn-ea"/>
+            </a:endParaRPr>
+          </a:p>
+        </p:txBody>
+      </p:sp>
+    </p:spTree>
+    <p:extLst>
+      <p:ext uri="{BB962C8B-B14F-4D97-AF65-F5344CB8AC3E}">
+        <p14:creationId xmlns:p14="http://schemas.microsoft.com/office/powerpoint/2010/main" val="1219352049"/>
+      </p:ext>
+    </p:extLst>
+  </p:cSld>
+  <p:clrMapOvr>
+    <a:masterClrMapping/>
+  </p:clrMapOvr>
+</p:sld>
+</file>
+
+<file path=ppt/slides/slide12.xml><?xml version="1.0" encoding="utf-8"?>
+<p:sld xmlns:a="http://schemas.openxmlformats.org/drawingml/2006/main" xmlns:r="http://schemas.openxmlformats.org/officeDocument/2006/relationships" xmlns:p="http://schemas.openxmlformats.org/presentationml/2006/main">
+  <p:cSld>
+    <p:spTree>
+      <p:nvGrpSpPr>
+        <p:cNvPr id="1" name=""/>
+        <p:cNvGrpSpPr/>
+        <p:nvPr/>
+      </p:nvGrpSpPr>
+      <p:grpSpPr>
+        <a:xfrm>
+          <a:off x="0" y="0"/>
+          <a:ext cx="0" cy="0"/>
+          <a:chOff x="0" y="0"/>
+          <a:chExt cx="0" cy="0"/>
+        </a:xfrm>
+      </p:grpSpPr>
+      <p:pic>
+        <p:nvPicPr>
+          <p:cNvPr id="5" name="그림 4">
+            <a:extLst>
+              <a:ext uri="{FF2B5EF4-FFF2-40B4-BE49-F238E27FC236}">
+                <a16:creationId xmlns:a16="http://schemas.microsoft.com/office/drawing/2014/main" id="{AEFAB125-9F5B-CB95-405B-7B8801950520}"/>
+              </a:ext>
+            </a:extLst>
+          </p:cNvPr>
+          <p:cNvPicPr>
+            <a:picLocks noChangeAspect="1"/>
+          </p:cNvPicPr>
+          <p:nvPr/>
+        </p:nvPicPr>
+        <p:blipFill>
+          <a:blip r:embed="rId2"/>
+          <a:stretch>
+            <a:fillRect/>
+          </a:stretch>
+        </p:blipFill>
+        <p:spPr>
+          <a:xfrm>
+            <a:off x="423326" y="373118"/>
+            <a:ext cx="8312460" cy="6149367"/>
+          </a:xfrm>
+          <a:prstGeom prst="rect">
+            <a:avLst/>
+          </a:prstGeom>
+        </p:spPr>
+      </p:pic>
+    </p:spTree>
+    <p:extLst>
+      <p:ext uri="{BB962C8B-B14F-4D97-AF65-F5344CB8AC3E}">
+        <p14:creationId xmlns:p14="http://schemas.microsoft.com/office/powerpoint/2010/main" val="1971940025"/>
+      </p:ext>
+    </p:extLst>
+  </p:cSld>
+  <p:clrMapOvr>
+    <a:masterClrMapping/>
+  </p:clrMapOvr>
+</p:sld>
+</file>
+
+<file path=ppt/slides/slide13.xml><?xml version="1.0" encoding="utf-8"?>
+<p:sld xmlns:a="http://schemas.openxmlformats.org/drawingml/2006/main" xmlns:r="http://schemas.openxmlformats.org/officeDocument/2006/relationships" xmlns:p="http://schemas.openxmlformats.org/presentationml/2006/main">
+  <p:cSld>
+    <p:spTree>
+      <p:nvGrpSpPr>
+        <p:cNvPr id="1" name=""/>
+        <p:cNvGrpSpPr/>
+        <p:nvPr/>
+      </p:nvGrpSpPr>
+      <p:grpSpPr>
+        <a:xfrm>
+          <a:off x="0" y="0"/>
+          <a:ext cx="0" cy="0"/>
+          <a:chOff x="0" y="0"/>
+          <a:chExt cx="0" cy="0"/>
+        </a:xfrm>
+      </p:grpSpPr>
+      <p:pic>
+        <p:nvPicPr>
+          <p:cNvPr id="3" name="그림 2">
+            <a:extLst>
+              <a:ext uri="{FF2B5EF4-FFF2-40B4-BE49-F238E27FC236}">
                 <a16:creationId xmlns:a16="http://schemas.microsoft.com/office/drawing/2014/main" id="{A2698DCD-E28D-084D-C3C3-89B1E9795811}"/>
               </a:ext>
             </a:extLst>
@@ -3622,7 +4055,7 @@
 </p:sld>
 </file>
 
-<file path=ppt/slides/slide11.xml><?xml version="1.0" encoding="utf-8"?>
+<file path=ppt/slides/slide14.xml><?xml version="1.0" encoding="utf-8"?>
 <p:sld xmlns:a="http://schemas.openxmlformats.org/drawingml/2006/main" xmlns:r="http://schemas.openxmlformats.org/officeDocument/2006/relationships" xmlns:p="http://schemas.openxmlformats.org/presentationml/2006/main">
   <p:cSld>
     <p:spTree>
@@ -3682,7 +4115,7 @@
 </p:sld>
 </file>
 
-<file path=ppt/slides/slide12.xml><?xml version="1.0" encoding="utf-8"?>
+<file path=ppt/slides/slide15.xml><?xml version="1.0" encoding="utf-8"?>
 <p:sld xmlns:a="http://schemas.openxmlformats.org/drawingml/2006/main" xmlns:r="http://schemas.openxmlformats.org/officeDocument/2006/relationships" xmlns:p="http://schemas.openxmlformats.org/presentationml/2006/main">
   <p:cSld>
     <p:spTree>
@@ -3742,7 +4175,7 @@
 </p:sld>
 </file>
 
-<file path=ppt/slides/slide13.xml><?xml version="1.0" encoding="utf-8"?>
+<file path=ppt/slides/slide16.xml><?xml version="1.0" encoding="utf-8"?>
 <p:sld xmlns:a="http://schemas.openxmlformats.org/drawingml/2006/main" xmlns:r="http://schemas.openxmlformats.org/officeDocument/2006/relationships" xmlns:p="http://schemas.openxmlformats.org/presentationml/2006/main">
   <p:cSld>
     <p:spTree>
@@ -4024,7 +4457,7 @@
 </p:sld>
 </file>
 
-<file path=ppt/slides/slide14.xml><?xml version="1.0" encoding="utf-8"?>
+<file path=ppt/slides/slide17.xml><?xml version="1.0" encoding="utf-8"?>
 <p:sld xmlns:a="http://schemas.openxmlformats.org/drawingml/2006/main" xmlns:r="http://schemas.openxmlformats.org/officeDocument/2006/relationships" xmlns:p="http://schemas.openxmlformats.org/presentationml/2006/main">
   <p:cSld>
     <p:spTree>
@@ -4267,96 +4700,6 @@
 </p:sld>
 </file>
 
-<file path=ppt/slides/slide15.xml><?xml version="1.0" encoding="utf-8"?>
-<p:sld xmlns:a="http://schemas.openxmlformats.org/drawingml/2006/main" xmlns:r="http://schemas.openxmlformats.org/officeDocument/2006/relationships" xmlns:p="http://schemas.openxmlformats.org/presentationml/2006/main">
-  <p:cSld>
-    <p:spTree>
-      <p:nvGrpSpPr>
-        <p:cNvPr id="1" name=""/>
-        <p:cNvGrpSpPr/>
-        <p:nvPr/>
-      </p:nvGrpSpPr>
-      <p:grpSpPr>
-        <a:xfrm>
-          <a:off x="0" y="0"/>
-          <a:ext cx="0" cy="0"/>
-          <a:chOff x="0" y="0"/>
-          <a:chExt cx="0" cy="0"/>
-        </a:xfrm>
-      </p:grpSpPr>
-    </p:spTree>
-    <p:extLst>
-      <p:ext uri="{BB962C8B-B14F-4D97-AF65-F5344CB8AC3E}">
-        <p14:creationId xmlns:p14="http://schemas.microsoft.com/office/powerpoint/2010/main" val="2277246107"/>
-      </p:ext>
-    </p:extLst>
-  </p:cSld>
-  <p:clrMapOvr>
-    <a:masterClrMapping/>
-  </p:clrMapOvr>
-</p:sld>
-</file>
-
-<file path=ppt/slides/slide16.xml><?xml version="1.0" encoding="utf-8"?>
-<p:sld xmlns:a="http://schemas.openxmlformats.org/drawingml/2006/main" xmlns:r="http://schemas.openxmlformats.org/officeDocument/2006/relationships" xmlns:p="http://schemas.openxmlformats.org/presentationml/2006/main">
-  <p:cSld>
-    <p:spTree>
-      <p:nvGrpSpPr>
-        <p:cNvPr id="1" name=""/>
-        <p:cNvGrpSpPr/>
-        <p:nvPr/>
-      </p:nvGrpSpPr>
-      <p:grpSpPr>
-        <a:xfrm>
-          <a:off x="0" y="0"/>
-          <a:ext cx="0" cy="0"/>
-          <a:chOff x="0" y="0"/>
-          <a:chExt cx="0" cy="0"/>
-        </a:xfrm>
-      </p:grpSpPr>
-    </p:spTree>
-    <p:extLst>
-      <p:ext uri="{BB962C8B-B14F-4D97-AF65-F5344CB8AC3E}">
-        <p14:creationId xmlns:p14="http://schemas.microsoft.com/office/powerpoint/2010/main" val="2767356446"/>
-      </p:ext>
-    </p:extLst>
-  </p:cSld>
-  <p:clrMapOvr>
-    <a:masterClrMapping/>
-  </p:clrMapOvr>
-</p:sld>
-</file>
-
-<file path=ppt/slides/slide17.xml><?xml version="1.0" encoding="utf-8"?>
-<p:sld xmlns:a="http://schemas.openxmlformats.org/drawingml/2006/main" xmlns:r="http://schemas.openxmlformats.org/officeDocument/2006/relationships" xmlns:p="http://schemas.openxmlformats.org/presentationml/2006/main">
-  <p:cSld>
-    <p:spTree>
-      <p:nvGrpSpPr>
-        <p:cNvPr id="1" name=""/>
-        <p:cNvGrpSpPr/>
-        <p:nvPr/>
-      </p:nvGrpSpPr>
-      <p:grpSpPr>
-        <a:xfrm>
-          <a:off x="0" y="0"/>
-          <a:ext cx="0" cy="0"/>
-          <a:chOff x="0" y="0"/>
-          <a:chExt cx="0" cy="0"/>
-        </a:xfrm>
-      </p:grpSpPr>
-    </p:spTree>
-    <p:extLst>
-      <p:ext uri="{BB962C8B-B14F-4D97-AF65-F5344CB8AC3E}">
-        <p14:creationId xmlns:p14="http://schemas.microsoft.com/office/powerpoint/2010/main" val="3794011430"/>
-      </p:ext>
-    </p:extLst>
-  </p:cSld>
-  <p:clrMapOvr>
-    <a:masterClrMapping/>
-  </p:clrMapOvr>
-</p:sld>
-</file>
-
 <file path=ppt/slides/slide18.xml><?xml version="1.0" encoding="utf-8"?>
 <p:sld xmlns:a="http://schemas.openxmlformats.org/drawingml/2006/main" xmlns:r="http://schemas.openxmlformats.org/officeDocument/2006/relationships" xmlns:p="http://schemas.openxmlformats.org/presentationml/2006/main">
   <p:cSld>
@@ -4374,10 +4717,212 @@
           <a:chExt cx="0" cy="0"/>
         </a:xfrm>
       </p:grpSpPr>
+      <p:pic>
+        <p:nvPicPr>
+          <p:cNvPr id="3" name="그림 2">
+            <a:extLst>
+              <a:ext uri="{FF2B5EF4-FFF2-40B4-BE49-F238E27FC236}">
+                <a16:creationId xmlns:a16="http://schemas.microsoft.com/office/drawing/2014/main" id="{41E853CB-1A43-2B4B-D550-89FB23A9E39C}"/>
+              </a:ext>
+            </a:extLst>
+          </p:cNvPr>
+          <p:cNvPicPr>
+            <a:picLocks noChangeAspect="1"/>
+          </p:cNvPicPr>
+          <p:nvPr/>
+        </p:nvPicPr>
+        <p:blipFill>
+          <a:blip r:embed="rId2"/>
+          <a:stretch>
+            <a:fillRect/>
+          </a:stretch>
+        </p:blipFill>
+        <p:spPr>
+          <a:xfrm>
+            <a:off x="420905" y="405442"/>
+            <a:ext cx="5555352" cy="1189315"/>
+          </a:xfrm>
+          <a:prstGeom prst="rect">
+            <a:avLst/>
+          </a:prstGeom>
+        </p:spPr>
+      </p:pic>
+      <p:pic>
+        <p:nvPicPr>
+          <p:cNvPr id="5" name="그림 4">
+            <a:extLst>
+              <a:ext uri="{FF2B5EF4-FFF2-40B4-BE49-F238E27FC236}">
+                <a16:creationId xmlns:a16="http://schemas.microsoft.com/office/drawing/2014/main" id="{3CF320B6-BBDD-E941-2E42-8EF4C26F3506}"/>
+              </a:ext>
+            </a:extLst>
+          </p:cNvPr>
+          <p:cNvPicPr>
+            <a:picLocks noChangeAspect="1"/>
+          </p:cNvPicPr>
+          <p:nvPr/>
+        </p:nvPicPr>
+        <p:blipFill>
+          <a:blip r:embed="rId3"/>
+          <a:stretch>
+            <a:fillRect/>
+          </a:stretch>
+        </p:blipFill>
+        <p:spPr>
+          <a:xfrm>
+            <a:off x="420904" y="1594757"/>
+            <a:ext cx="5555351" cy="4902766"/>
+          </a:xfrm>
+          <a:prstGeom prst="rect">
+            <a:avLst/>
+          </a:prstGeom>
+        </p:spPr>
+      </p:pic>
+      <p:pic>
+        <p:nvPicPr>
+          <p:cNvPr id="9" name="그림 8">
+            <a:extLst>
+              <a:ext uri="{FF2B5EF4-FFF2-40B4-BE49-F238E27FC236}">
+                <a16:creationId xmlns:a16="http://schemas.microsoft.com/office/drawing/2014/main" id="{BD973AA4-1F74-951C-F843-38C2C531F6F1}"/>
+              </a:ext>
+            </a:extLst>
+          </p:cNvPr>
+          <p:cNvPicPr>
+            <a:picLocks noChangeAspect="1"/>
+          </p:cNvPicPr>
+          <p:nvPr/>
+        </p:nvPicPr>
+        <p:blipFill>
+          <a:blip r:embed="rId4"/>
+          <a:stretch>
+            <a:fillRect/>
+          </a:stretch>
+        </p:blipFill>
+        <p:spPr>
+          <a:xfrm>
+            <a:off x="6586255" y="405442"/>
+            <a:ext cx="5118914" cy="1782587"/>
+          </a:xfrm>
+          <a:prstGeom prst="rect">
+            <a:avLst/>
+          </a:prstGeom>
+        </p:spPr>
+      </p:pic>
+      <p:sp>
+        <p:nvSpPr>
+          <p:cNvPr id="10" name="TextBox 9">
+            <a:extLst>
+              <a:ext uri="{FF2B5EF4-FFF2-40B4-BE49-F238E27FC236}">
+                <a16:creationId xmlns:a16="http://schemas.microsoft.com/office/drawing/2014/main" id="{09DB5FA8-59FF-AC2F-5228-E63A8CCA8EA0}"/>
+              </a:ext>
+            </a:extLst>
+          </p:cNvPr>
+          <p:cNvSpPr txBox="1"/>
+          <p:nvPr/>
+        </p:nvSpPr>
+        <p:spPr>
+          <a:xfrm>
+            <a:off x="6586255" y="2596243"/>
+            <a:ext cx="5184841" cy="707886"/>
+          </a:xfrm>
+          <a:prstGeom prst="rect">
+            <a:avLst/>
+          </a:prstGeom>
+          <a:noFill/>
+        </p:spPr>
+        <p:txBody>
+          <a:bodyPr wrap="square" rtlCol="0">
+            <a:spAutoFit/>
+          </a:bodyPr>
+          <a:lstStyle/>
+          <a:p>
+            <a:pPr marL="285750" indent="-285750">
+              <a:buFont typeface="Arial" panose="020B0604020202020204" pitchFamily="34" charset="0"/>
+              <a:buChar char="•"/>
+            </a:pPr>
+            <a:r>
+              <a:rPr lang="en-US" altLang="ko-KR" sz="2000" dirty="0" err="1">
+                <a:latin typeface="D2Coding" panose="020B0609020101020101" pitchFamily="49" charset="-127"/>
+                <a:ea typeface="D2Coding" panose="020B0609020101020101" pitchFamily="49" charset="-127"/>
+              </a:rPr>
+              <a:t>examtable</a:t>
+            </a:r>
+            <a:r>
+              <a:rPr lang="en-US" altLang="ko-KR" sz="2000" dirty="0">
+                <a:latin typeface="D2Coding" panose="020B0609020101020101" pitchFamily="49" charset="-127"/>
+                <a:ea typeface="D2Coding" panose="020B0609020101020101" pitchFamily="49" charset="-127"/>
+              </a:rPr>
+              <a:t> </a:t>
+            </a:r>
+            <a:r>
+              <a:rPr lang="ko-KR" altLang="en-US" sz="2000" dirty="0">
+                <a:latin typeface="D2Coding" panose="020B0609020101020101" pitchFamily="49" charset="-127"/>
+                <a:ea typeface="D2Coding" panose="020B0609020101020101" pitchFamily="49" charset="-127"/>
+              </a:rPr>
+              <a:t>테이블에 </a:t>
+            </a:r>
+            <a:r>
+              <a:rPr lang="en-US" altLang="ko-KR" sz="2000" dirty="0">
+                <a:latin typeface="D2Coding" panose="020B0609020101020101" pitchFamily="49" charset="-127"/>
+                <a:ea typeface="D2Coding" panose="020B0609020101020101" pitchFamily="49" charset="-127"/>
+              </a:rPr>
+              <a:t>name, </a:t>
+            </a:r>
+            <a:r>
+              <a:rPr lang="en-US" altLang="ko-KR" sz="2000" dirty="0" err="1">
+                <a:latin typeface="D2Coding" panose="020B0609020101020101" pitchFamily="49" charset="-127"/>
+                <a:ea typeface="D2Coding" panose="020B0609020101020101" pitchFamily="49" charset="-127"/>
+              </a:rPr>
+              <a:t>studentid</a:t>
+            </a:r>
+            <a:r>
+              <a:rPr lang="en-US" altLang="ko-KR" sz="2000" dirty="0">
+                <a:latin typeface="D2Coding" panose="020B0609020101020101" pitchFamily="49" charset="-127"/>
+                <a:ea typeface="D2Coding" panose="020B0609020101020101" pitchFamily="49" charset="-127"/>
+              </a:rPr>
+              <a:t>, </a:t>
+            </a:r>
+            <a:r>
+              <a:rPr lang="en-US" altLang="ko-KR" sz="2000" dirty="0" err="1">
+                <a:latin typeface="D2Coding" panose="020B0609020101020101" pitchFamily="49" charset="-127"/>
+                <a:ea typeface="D2Coding" panose="020B0609020101020101" pitchFamily="49" charset="-127"/>
+              </a:rPr>
+              <a:t>kor</a:t>
+            </a:r>
+            <a:r>
+              <a:rPr lang="en-US" altLang="ko-KR" sz="2000" dirty="0">
+                <a:latin typeface="D2Coding" panose="020B0609020101020101" pitchFamily="49" charset="-127"/>
+                <a:ea typeface="D2Coding" panose="020B0609020101020101" pitchFamily="49" charset="-127"/>
+              </a:rPr>
+              <a:t>, </a:t>
+            </a:r>
+            <a:r>
+              <a:rPr lang="en-US" altLang="ko-KR" sz="2000" dirty="0" err="1">
+                <a:latin typeface="D2Coding" panose="020B0609020101020101" pitchFamily="49" charset="-127"/>
+                <a:ea typeface="D2Coding" panose="020B0609020101020101" pitchFamily="49" charset="-127"/>
+              </a:rPr>
+              <a:t>eng</a:t>
+            </a:r>
+            <a:r>
+              <a:rPr lang="en-US" altLang="ko-KR" sz="2000" dirty="0">
+                <a:latin typeface="D2Coding" panose="020B0609020101020101" pitchFamily="49" charset="-127"/>
+                <a:ea typeface="D2Coding" panose="020B0609020101020101" pitchFamily="49" charset="-127"/>
+              </a:rPr>
+              <a:t>, mat </a:t>
+            </a:r>
+            <a:r>
+              <a:rPr lang="ko-KR" altLang="en-US" sz="2000" dirty="0">
+                <a:latin typeface="D2Coding" panose="020B0609020101020101" pitchFamily="49" charset="-127"/>
+                <a:ea typeface="D2Coding" panose="020B0609020101020101" pitchFamily="49" charset="-127"/>
+              </a:rPr>
+              <a:t>항목이 생성된 것을 확인</a:t>
+            </a:r>
+          </a:p>
+        </p:txBody>
+      </p:sp>
     </p:spTree>
     <p:extLst>
       <p:ext uri="{BB962C8B-B14F-4D97-AF65-F5344CB8AC3E}">
-        <p14:creationId xmlns:p14="http://schemas.microsoft.com/office/powerpoint/2010/main" val="132287358"/>
+        <p14:creationId xmlns:p14="http://schemas.microsoft.com/office/powerpoint/2010/main" val="2277246107"/>
       </p:ext>
     </p:extLst>
   </p:cSld>
@@ -4404,6 +4949,467 @@
           <a:chExt cx="0" cy="0"/>
         </a:xfrm>
       </p:grpSpPr>
+      <p:pic>
+        <p:nvPicPr>
+          <p:cNvPr id="3" name="그림 2">
+            <a:extLst>
+              <a:ext uri="{FF2B5EF4-FFF2-40B4-BE49-F238E27FC236}">
+                <a16:creationId xmlns:a16="http://schemas.microsoft.com/office/drawing/2014/main" id="{2C4810C6-6EC6-18E4-C315-483038E6DCB0}"/>
+              </a:ext>
+            </a:extLst>
+          </p:cNvPr>
+          <p:cNvPicPr>
+            <a:picLocks noChangeAspect="1"/>
+          </p:cNvPicPr>
+          <p:nvPr/>
+        </p:nvPicPr>
+        <p:blipFill>
+          <a:blip r:embed="rId2"/>
+          <a:stretch>
+            <a:fillRect/>
+          </a:stretch>
+        </p:blipFill>
+        <p:spPr>
+          <a:xfrm>
+            <a:off x="419168" y="379299"/>
+            <a:ext cx="11021558" cy="6103143"/>
+          </a:xfrm>
+          <a:prstGeom prst="rect">
+            <a:avLst/>
+          </a:prstGeom>
+        </p:spPr>
+      </p:pic>
+    </p:spTree>
+    <p:extLst>
+      <p:ext uri="{BB962C8B-B14F-4D97-AF65-F5344CB8AC3E}">
+        <p14:creationId xmlns:p14="http://schemas.microsoft.com/office/powerpoint/2010/main" val="2767356446"/>
+      </p:ext>
+    </p:extLst>
+  </p:cSld>
+  <p:clrMapOvr>
+    <a:masterClrMapping/>
+  </p:clrMapOvr>
+</p:sld>
+</file>
+
+<file path=ppt/slides/slide2.xml><?xml version="1.0" encoding="utf-8"?>
+<p:sld xmlns:a="http://schemas.openxmlformats.org/drawingml/2006/main" xmlns:r="http://schemas.openxmlformats.org/officeDocument/2006/relationships" xmlns:p="http://schemas.openxmlformats.org/presentationml/2006/main">
+  <p:cSld>
+    <p:spTree>
+      <p:nvGrpSpPr>
+        <p:cNvPr id="1" name=""/>
+        <p:cNvGrpSpPr/>
+        <p:nvPr/>
+      </p:nvGrpSpPr>
+      <p:grpSpPr>
+        <a:xfrm>
+          <a:off x="0" y="0"/>
+          <a:ext cx="0" cy="0"/>
+          <a:chOff x="0" y="0"/>
+          <a:chExt cx="0" cy="0"/>
+        </a:xfrm>
+      </p:grpSpPr>
+      <p:sp>
+        <p:nvSpPr>
+          <p:cNvPr id="2" name="제목 1">
+            <a:extLst>
+              <a:ext uri="{FF2B5EF4-FFF2-40B4-BE49-F238E27FC236}">
+                <a16:creationId xmlns:a16="http://schemas.microsoft.com/office/drawing/2014/main" id="{0E0D856F-4106-A50C-D169-B97267D7C681}"/>
+              </a:ext>
+            </a:extLst>
+          </p:cNvPr>
+          <p:cNvSpPr>
+            <a:spLocks noGrp="1"/>
+          </p:cNvSpPr>
+          <p:nvPr>
+            <p:ph type="title"/>
+          </p:nvPr>
+        </p:nvSpPr>
+        <p:spPr/>
+        <p:txBody>
+          <a:bodyPr/>
+          <a:lstStyle/>
+          <a:p>
+            <a:r>
+              <a:rPr lang="en-US" altLang="ko-KR" b="1" dirty="0"/>
+              <a:t>&lt; </a:t>
+            </a:r>
+            <a:r>
+              <a:rPr lang="ko-KR" altLang="en-US" b="1" dirty="0"/>
+              <a:t>학습 내용 </a:t>
+            </a:r>
+            <a:r>
+              <a:rPr lang="en-US" altLang="ko-KR" b="1" dirty="0"/>
+              <a:t>&gt;</a:t>
+            </a:r>
+            <a:endParaRPr lang="ko-KR" altLang="en-US" b="1" dirty="0"/>
+          </a:p>
+        </p:txBody>
+      </p:sp>
+      <p:sp>
+        <p:nvSpPr>
+          <p:cNvPr id="3" name="세로 텍스트 개체 틀 2">
+            <a:extLst>
+              <a:ext uri="{FF2B5EF4-FFF2-40B4-BE49-F238E27FC236}">
+                <a16:creationId xmlns:a16="http://schemas.microsoft.com/office/drawing/2014/main" id="{29490A46-00F2-4D62-ABCC-029E4074B162}"/>
+              </a:ext>
+            </a:extLst>
+          </p:cNvPr>
+          <p:cNvSpPr>
+            <a:spLocks noGrp="1"/>
+          </p:cNvSpPr>
+          <p:nvPr>
+            <p:ph type="body" orient="vert" idx="1"/>
+          </p:nvPr>
+        </p:nvSpPr>
+        <p:spPr/>
+        <p:txBody>
+          <a:bodyPr vert="horz">
+            <a:normAutofit/>
+          </a:bodyPr>
+          <a:lstStyle/>
+          <a:p>
+            <a:r>
+              <a:rPr lang="ko-KR" altLang="en-US" sz="4000" dirty="0"/>
+              <a:t> 파일</a:t>
+            </a:r>
+            <a:endParaRPr lang="en-US" altLang="ko-KR" sz="4000" dirty="0"/>
+          </a:p>
+          <a:p>
+            <a:endParaRPr lang="en-US" altLang="ko-KR" sz="4000" dirty="0"/>
+          </a:p>
+          <a:p>
+            <a:r>
+              <a:rPr lang="ko-KR" altLang="en-US" sz="4000" dirty="0"/>
+              <a:t> 데이터베이스 기초</a:t>
+            </a:r>
+            <a:endParaRPr lang="en-US" altLang="ko-KR" sz="4000" dirty="0"/>
+          </a:p>
+          <a:p>
+            <a:endParaRPr lang="en-US" altLang="ko-KR" sz="4000" dirty="0"/>
+          </a:p>
+          <a:p>
+            <a:r>
+              <a:rPr lang="ko-KR" altLang="en-US" sz="4000" dirty="0"/>
+              <a:t> 데이터베이스 다루기</a:t>
+            </a:r>
+          </a:p>
+        </p:txBody>
+      </p:sp>
+    </p:spTree>
+    <p:extLst>
+      <p:ext uri="{BB962C8B-B14F-4D97-AF65-F5344CB8AC3E}">
+        <p14:creationId xmlns:p14="http://schemas.microsoft.com/office/powerpoint/2010/main" val="618819181"/>
+      </p:ext>
+    </p:extLst>
+  </p:cSld>
+  <p:clrMapOvr>
+    <a:masterClrMapping/>
+  </p:clrMapOvr>
+</p:sld>
+</file>
+
+<file path=ppt/slides/slide20.xml><?xml version="1.0" encoding="utf-8"?>
+<p:sld xmlns:a="http://schemas.openxmlformats.org/drawingml/2006/main" xmlns:r="http://schemas.openxmlformats.org/officeDocument/2006/relationships" xmlns:p="http://schemas.openxmlformats.org/presentationml/2006/main">
+  <p:cSld>
+    <p:spTree>
+      <p:nvGrpSpPr>
+        <p:cNvPr id="1" name=""/>
+        <p:cNvGrpSpPr/>
+        <p:nvPr/>
+      </p:nvGrpSpPr>
+      <p:grpSpPr>
+        <a:xfrm>
+          <a:off x="0" y="0"/>
+          <a:ext cx="0" cy="0"/>
+          <a:chOff x="0" y="0"/>
+          <a:chExt cx="0" cy="0"/>
+        </a:xfrm>
+      </p:grpSpPr>
+      <p:pic>
+        <p:nvPicPr>
+          <p:cNvPr id="3" name="그림 2">
+            <a:extLst>
+              <a:ext uri="{FF2B5EF4-FFF2-40B4-BE49-F238E27FC236}">
+                <a16:creationId xmlns:a16="http://schemas.microsoft.com/office/drawing/2014/main" id="{B70C69CC-EF23-A65F-E99B-41FAD0A9D540}"/>
+              </a:ext>
+            </a:extLst>
+          </p:cNvPr>
+          <p:cNvPicPr>
+            <a:picLocks noChangeAspect="1"/>
+          </p:cNvPicPr>
+          <p:nvPr/>
+        </p:nvPicPr>
+        <p:blipFill>
+          <a:blip r:embed="rId2"/>
+          <a:stretch>
+            <a:fillRect/>
+          </a:stretch>
+        </p:blipFill>
+        <p:spPr>
+          <a:xfrm>
+            <a:off x="417480" y="450859"/>
+            <a:ext cx="7213104" cy="6047912"/>
+          </a:xfrm>
+          <a:prstGeom prst="rect">
+            <a:avLst/>
+          </a:prstGeom>
+        </p:spPr>
+      </p:pic>
+      <p:sp>
+        <p:nvSpPr>
+          <p:cNvPr id="4" name="TextBox 3">
+            <a:extLst>
+              <a:ext uri="{FF2B5EF4-FFF2-40B4-BE49-F238E27FC236}">
+                <a16:creationId xmlns:a16="http://schemas.microsoft.com/office/drawing/2014/main" id="{6FBA26CD-245F-D4F1-0267-602473EE3E09}"/>
+              </a:ext>
+            </a:extLst>
+          </p:cNvPr>
+          <p:cNvSpPr txBox="1"/>
+          <p:nvPr/>
+        </p:nvSpPr>
+        <p:spPr>
+          <a:xfrm>
+            <a:off x="7759495" y="620486"/>
+            <a:ext cx="4015025" cy="707886"/>
+          </a:xfrm>
+          <a:prstGeom prst="rect">
+            <a:avLst/>
+          </a:prstGeom>
+          <a:noFill/>
+        </p:spPr>
+        <p:txBody>
+          <a:bodyPr wrap="square" rtlCol="0">
+            <a:spAutoFit/>
+          </a:bodyPr>
+          <a:lstStyle/>
+          <a:p>
+            <a:pPr marL="285750" indent="-285750">
+              <a:buFont typeface="Arial" panose="020B0604020202020204" pitchFamily="34" charset="0"/>
+              <a:buChar char="•"/>
+            </a:pPr>
+            <a:r>
+              <a:rPr lang="en-US" altLang="ko-KR" sz="2000" dirty="0" err="1">
+                <a:latin typeface="D2Coding" panose="020B0609020101020101" pitchFamily="49" charset="-127"/>
+                <a:ea typeface="D2Coding" panose="020B0609020101020101" pitchFamily="49" charset="-127"/>
+              </a:rPr>
+              <a:t>examtable</a:t>
+            </a:r>
+            <a:r>
+              <a:rPr lang="en-US" altLang="ko-KR" sz="2000" dirty="0">
+                <a:latin typeface="D2Coding" panose="020B0609020101020101" pitchFamily="49" charset="-127"/>
+                <a:ea typeface="D2Coding" panose="020B0609020101020101" pitchFamily="49" charset="-127"/>
+              </a:rPr>
+              <a:t> </a:t>
+            </a:r>
+            <a:r>
+              <a:rPr lang="ko-KR" altLang="en-US" sz="2000" dirty="0">
+                <a:latin typeface="D2Coding" panose="020B0609020101020101" pitchFamily="49" charset="-127"/>
+                <a:ea typeface="D2Coding" panose="020B0609020101020101" pitchFamily="49" charset="-127"/>
+              </a:rPr>
+              <a:t>테이블에 값들이 제대로 입력된 것을 확인</a:t>
+            </a:r>
+            <a:r>
+              <a:rPr lang="en-US" altLang="ko-KR" sz="2000" dirty="0">
+                <a:latin typeface="D2Coding" panose="020B0609020101020101" pitchFamily="49" charset="-127"/>
+                <a:ea typeface="D2Coding" panose="020B0609020101020101" pitchFamily="49" charset="-127"/>
+              </a:rPr>
+              <a:t>!</a:t>
+            </a:r>
+            <a:endParaRPr lang="ko-KR" altLang="en-US" sz="2000" dirty="0">
+              <a:latin typeface="D2Coding" panose="020B0609020101020101" pitchFamily="49" charset="-127"/>
+              <a:ea typeface="D2Coding" panose="020B0609020101020101" pitchFamily="49" charset="-127"/>
+            </a:endParaRPr>
+          </a:p>
+        </p:txBody>
+      </p:sp>
+    </p:spTree>
+    <p:extLst>
+      <p:ext uri="{BB962C8B-B14F-4D97-AF65-F5344CB8AC3E}">
+        <p14:creationId xmlns:p14="http://schemas.microsoft.com/office/powerpoint/2010/main" val="3794011430"/>
+      </p:ext>
+    </p:extLst>
+  </p:cSld>
+  <p:clrMapOvr>
+    <a:masterClrMapping/>
+  </p:clrMapOvr>
+</p:sld>
+</file>
+
+<file path=ppt/slides/slide21.xml><?xml version="1.0" encoding="utf-8"?>
+<p:sld xmlns:a="http://schemas.openxmlformats.org/drawingml/2006/main" xmlns:r="http://schemas.openxmlformats.org/officeDocument/2006/relationships" xmlns:p="http://schemas.openxmlformats.org/presentationml/2006/main">
+  <p:cSld>
+    <p:spTree>
+      <p:nvGrpSpPr>
+        <p:cNvPr id="1" name=""/>
+        <p:cNvGrpSpPr/>
+        <p:nvPr/>
+      </p:nvGrpSpPr>
+      <p:grpSpPr>
+        <a:xfrm>
+          <a:off x="0" y="0"/>
+          <a:ext cx="0" cy="0"/>
+          <a:chOff x="0" y="0"/>
+          <a:chExt cx="0" cy="0"/>
+        </a:xfrm>
+      </p:grpSpPr>
+      <p:pic>
+        <p:nvPicPr>
+          <p:cNvPr id="3" name="그림 2">
+            <a:extLst>
+              <a:ext uri="{FF2B5EF4-FFF2-40B4-BE49-F238E27FC236}">
+                <a16:creationId xmlns:a16="http://schemas.microsoft.com/office/drawing/2014/main" id="{37B7EF47-0F71-3168-A007-37B16AD01F6C}"/>
+              </a:ext>
+            </a:extLst>
+          </p:cNvPr>
+          <p:cNvPicPr>
+            <a:picLocks noChangeAspect="1"/>
+          </p:cNvPicPr>
+          <p:nvPr/>
+        </p:nvPicPr>
+        <p:blipFill>
+          <a:blip r:embed="rId2"/>
+          <a:stretch>
+            <a:fillRect/>
+          </a:stretch>
+        </p:blipFill>
+        <p:spPr>
+          <a:xfrm>
+            <a:off x="344312" y="393764"/>
+            <a:ext cx="11477574" cy="2945143"/>
+          </a:xfrm>
+          <a:prstGeom prst="rect">
+            <a:avLst/>
+          </a:prstGeom>
+        </p:spPr>
+      </p:pic>
+    </p:spTree>
+    <p:extLst>
+      <p:ext uri="{BB962C8B-B14F-4D97-AF65-F5344CB8AC3E}">
+        <p14:creationId xmlns:p14="http://schemas.microsoft.com/office/powerpoint/2010/main" val="132287358"/>
+      </p:ext>
+    </p:extLst>
+  </p:cSld>
+  <p:clrMapOvr>
+    <a:masterClrMapping/>
+  </p:clrMapOvr>
+</p:sld>
+</file>
+
+<file path=ppt/slides/slide22.xml><?xml version="1.0" encoding="utf-8"?>
+<p:sld xmlns:a="http://schemas.openxmlformats.org/drawingml/2006/main" xmlns:r="http://schemas.openxmlformats.org/officeDocument/2006/relationships" xmlns:p="http://schemas.openxmlformats.org/presentationml/2006/main">
+  <p:cSld>
+    <p:spTree>
+      <p:nvGrpSpPr>
+        <p:cNvPr id="1" name=""/>
+        <p:cNvGrpSpPr/>
+        <p:nvPr/>
+      </p:nvGrpSpPr>
+      <p:grpSpPr>
+        <a:xfrm>
+          <a:off x="0" y="0"/>
+          <a:ext cx="0" cy="0"/>
+          <a:chOff x="0" y="0"/>
+          <a:chExt cx="0" cy="0"/>
+        </a:xfrm>
+      </p:grpSpPr>
+      <p:pic>
+        <p:nvPicPr>
+          <p:cNvPr id="3" name="그림 2">
+            <a:extLst>
+              <a:ext uri="{FF2B5EF4-FFF2-40B4-BE49-F238E27FC236}">
+                <a16:creationId xmlns:a16="http://schemas.microsoft.com/office/drawing/2014/main" id="{031D40B5-303E-A391-DF52-4256285C0AA5}"/>
+              </a:ext>
+            </a:extLst>
+          </p:cNvPr>
+          <p:cNvPicPr>
+            <a:picLocks noChangeAspect="1"/>
+          </p:cNvPicPr>
+          <p:nvPr/>
+        </p:nvPicPr>
+        <p:blipFill>
+          <a:blip r:embed="rId2"/>
+          <a:stretch>
+            <a:fillRect/>
+          </a:stretch>
+        </p:blipFill>
+        <p:spPr>
+          <a:xfrm>
+            <a:off x="409324" y="463125"/>
+            <a:ext cx="7162187" cy="5627432"/>
+          </a:xfrm>
+          <a:prstGeom prst="rect">
+            <a:avLst/>
+          </a:prstGeom>
+        </p:spPr>
+      </p:pic>
+      <p:sp>
+        <p:nvSpPr>
+          <p:cNvPr id="4" name="TextBox 3">
+            <a:extLst>
+              <a:ext uri="{FF2B5EF4-FFF2-40B4-BE49-F238E27FC236}">
+                <a16:creationId xmlns:a16="http://schemas.microsoft.com/office/drawing/2014/main" id="{3AAB64F5-7678-3208-2920-A5A1C8121426}"/>
+              </a:ext>
+            </a:extLst>
+          </p:cNvPr>
+          <p:cNvSpPr txBox="1"/>
+          <p:nvPr/>
+        </p:nvSpPr>
+        <p:spPr>
+          <a:xfrm>
+            <a:off x="7759495" y="620486"/>
+            <a:ext cx="4015025" cy="707886"/>
+          </a:xfrm>
+          <a:prstGeom prst="rect">
+            <a:avLst/>
+          </a:prstGeom>
+          <a:noFill/>
+        </p:spPr>
+        <p:txBody>
+          <a:bodyPr wrap="square" rtlCol="0">
+            <a:spAutoFit/>
+          </a:bodyPr>
+          <a:lstStyle/>
+          <a:p>
+            <a:pPr marL="285750" indent="-285750">
+              <a:buFont typeface="Arial" panose="020B0604020202020204" pitchFamily="34" charset="0"/>
+              <a:buChar char="•"/>
+            </a:pPr>
+            <a:r>
+              <a:rPr lang="en-US" altLang="ko-KR" sz="2000" dirty="0" err="1">
+                <a:latin typeface="D2Coding" panose="020B0609020101020101" pitchFamily="49" charset="-127"/>
+                <a:ea typeface="D2Coding" panose="020B0609020101020101" pitchFamily="49" charset="-127"/>
+              </a:rPr>
+              <a:t>examtable</a:t>
+            </a:r>
+            <a:r>
+              <a:rPr lang="en-US" altLang="ko-KR" sz="2000" dirty="0">
+                <a:latin typeface="D2Coding" panose="020B0609020101020101" pitchFamily="49" charset="-127"/>
+                <a:ea typeface="D2Coding" panose="020B0609020101020101" pitchFamily="49" charset="-127"/>
+              </a:rPr>
+              <a:t> </a:t>
+            </a:r>
+            <a:r>
+              <a:rPr lang="ko-KR" altLang="en-US" sz="2000" dirty="0">
+                <a:latin typeface="D2Coding" panose="020B0609020101020101" pitchFamily="49" charset="-127"/>
+                <a:ea typeface="D2Coding" panose="020B0609020101020101" pitchFamily="49" charset="-127"/>
+              </a:rPr>
+              <a:t>테이블에 다현의 값들이 삭제 된 것을 확인</a:t>
+            </a:r>
+            <a:r>
+              <a:rPr lang="en-US" altLang="ko-KR" sz="2000" dirty="0">
+                <a:latin typeface="D2Coding" panose="020B0609020101020101" pitchFamily="49" charset="-127"/>
+                <a:ea typeface="D2Coding" panose="020B0609020101020101" pitchFamily="49" charset="-127"/>
+              </a:rPr>
+              <a:t>!</a:t>
+            </a:r>
+            <a:endParaRPr lang="ko-KR" altLang="en-US" sz="2000" dirty="0">
+              <a:latin typeface="D2Coding" panose="020B0609020101020101" pitchFamily="49" charset="-127"/>
+              <a:ea typeface="D2Coding" panose="020B0609020101020101" pitchFamily="49" charset="-127"/>
+            </a:endParaRPr>
+          </a:p>
+        </p:txBody>
+      </p:sp>
     </p:spTree>
     <p:extLst>
       <p:ext uri="{BB962C8B-B14F-4D97-AF65-F5344CB8AC3E}">
@@ -4417,7 +5423,1162 @@
 </p:sld>
 </file>
 
-<file path=ppt/slides/slide2.xml><?xml version="1.0" encoding="utf-8"?>
+<file path=ppt/slides/slide23.xml><?xml version="1.0" encoding="utf-8"?>
+<p:sld xmlns:a="http://schemas.openxmlformats.org/drawingml/2006/main" xmlns:r="http://schemas.openxmlformats.org/officeDocument/2006/relationships" xmlns:p="http://schemas.openxmlformats.org/presentationml/2006/main">
+  <p:cSld>
+    <p:spTree>
+      <p:nvGrpSpPr>
+        <p:cNvPr id="1" name=""/>
+        <p:cNvGrpSpPr/>
+        <p:nvPr/>
+      </p:nvGrpSpPr>
+      <p:grpSpPr>
+        <a:xfrm>
+          <a:off x="0" y="0"/>
+          <a:ext cx="0" cy="0"/>
+          <a:chOff x="0" y="0"/>
+          <a:chExt cx="0" cy="0"/>
+        </a:xfrm>
+      </p:grpSpPr>
+      <p:sp>
+        <p:nvSpPr>
+          <p:cNvPr id="2" name="TextBox 1">
+            <a:extLst>
+              <a:ext uri="{FF2B5EF4-FFF2-40B4-BE49-F238E27FC236}">
+                <a16:creationId xmlns:a16="http://schemas.microsoft.com/office/drawing/2014/main" id="{6D5E47BA-144B-6E25-E282-8F211ABD5221}"/>
+              </a:ext>
+            </a:extLst>
+          </p:cNvPr>
+          <p:cNvSpPr txBox="1"/>
+          <p:nvPr/>
+        </p:nvSpPr>
+        <p:spPr>
+          <a:xfrm>
+            <a:off x="1139371" y="2610838"/>
+            <a:ext cx="9913258" cy="830997"/>
+          </a:xfrm>
+          <a:prstGeom prst="rect">
+            <a:avLst/>
+          </a:prstGeom>
+          <a:noFill/>
+        </p:spPr>
+        <p:txBody>
+          <a:bodyPr wrap="square" rtlCol="0">
+            <a:spAutoFit/>
+          </a:bodyPr>
+          <a:lstStyle/>
+          <a:p>
+            <a:pPr algn="ctr"/>
+            <a:r>
+              <a:rPr lang="en-US" altLang="ko-KR" sz="4800" b="1" dirty="0">
+                <a:solidFill>
+                  <a:schemeClr val="accent1"/>
+                </a:solidFill>
+                <a:latin typeface="+mn-ea"/>
+              </a:rPr>
+              <a:t>&lt; </a:t>
+            </a:r>
+            <a:r>
+              <a:rPr lang="ko-KR" altLang="en-US" sz="4800" b="1" dirty="0">
+                <a:solidFill>
+                  <a:schemeClr val="accent1"/>
+                </a:solidFill>
+                <a:latin typeface="+mn-ea"/>
+              </a:rPr>
+              <a:t>데이터베이스 다루기 </a:t>
+            </a:r>
+            <a:r>
+              <a:rPr lang="en-US" altLang="ko-KR" sz="4800" b="1" dirty="0">
+                <a:solidFill>
+                  <a:schemeClr val="accent1"/>
+                </a:solidFill>
+                <a:latin typeface="+mn-ea"/>
+              </a:rPr>
+              <a:t>&gt;</a:t>
+            </a:r>
+            <a:endParaRPr lang="ko-KR" altLang="en-US" sz="4800" b="1" dirty="0">
+              <a:solidFill>
+                <a:schemeClr val="accent1"/>
+              </a:solidFill>
+              <a:latin typeface="+mn-ea"/>
+            </a:endParaRPr>
+          </a:p>
+        </p:txBody>
+      </p:sp>
+    </p:spTree>
+    <p:extLst>
+      <p:ext uri="{BB962C8B-B14F-4D97-AF65-F5344CB8AC3E}">
+        <p14:creationId xmlns:p14="http://schemas.microsoft.com/office/powerpoint/2010/main" val="3863588722"/>
+      </p:ext>
+    </p:extLst>
+  </p:cSld>
+  <p:clrMapOvr>
+    <a:masterClrMapping/>
+  </p:clrMapOvr>
+</p:sld>
+</file>
+
+<file path=ppt/slides/slide24.xml><?xml version="1.0" encoding="utf-8"?>
+<p:sld xmlns:a="http://schemas.openxmlformats.org/drawingml/2006/main" xmlns:r="http://schemas.openxmlformats.org/officeDocument/2006/relationships" xmlns:p="http://schemas.openxmlformats.org/presentationml/2006/main">
+  <p:cSld>
+    <p:spTree>
+      <p:nvGrpSpPr>
+        <p:cNvPr id="1" name=""/>
+        <p:cNvGrpSpPr/>
+        <p:nvPr/>
+      </p:nvGrpSpPr>
+      <p:grpSpPr>
+        <a:xfrm>
+          <a:off x="0" y="0"/>
+          <a:ext cx="0" cy="0"/>
+          <a:chOff x="0" y="0"/>
+          <a:chExt cx="0" cy="0"/>
+        </a:xfrm>
+      </p:grpSpPr>
+      <p:pic>
+        <p:nvPicPr>
+          <p:cNvPr id="5" name="그림 4">
+            <a:extLst>
+              <a:ext uri="{FF2B5EF4-FFF2-40B4-BE49-F238E27FC236}">
+                <a16:creationId xmlns:a16="http://schemas.microsoft.com/office/drawing/2014/main" id="{441D4CC8-F28E-C68B-4B51-4988E3D255CC}"/>
+              </a:ext>
+            </a:extLst>
+          </p:cNvPr>
+          <p:cNvPicPr>
+            <a:picLocks noChangeAspect="1"/>
+          </p:cNvPicPr>
+          <p:nvPr/>
+        </p:nvPicPr>
+        <p:blipFill>
+          <a:blip r:embed="rId2"/>
+          <a:stretch>
+            <a:fillRect/>
+          </a:stretch>
+        </p:blipFill>
+        <p:spPr>
+          <a:xfrm>
+            <a:off x="450647" y="418759"/>
+            <a:ext cx="7729967" cy="6117069"/>
+          </a:xfrm>
+          <a:prstGeom prst="rect">
+            <a:avLst/>
+          </a:prstGeom>
+        </p:spPr>
+      </p:pic>
+    </p:spTree>
+    <p:extLst>
+      <p:ext uri="{BB962C8B-B14F-4D97-AF65-F5344CB8AC3E}">
+        <p14:creationId xmlns:p14="http://schemas.microsoft.com/office/powerpoint/2010/main" val="2582537242"/>
+      </p:ext>
+    </p:extLst>
+  </p:cSld>
+  <p:clrMapOvr>
+    <a:masterClrMapping/>
+  </p:clrMapOvr>
+</p:sld>
+</file>
+
+<file path=ppt/slides/slide25.xml><?xml version="1.0" encoding="utf-8"?>
+<p:sld xmlns:a="http://schemas.openxmlformats.org/drawingml/2006/main" xmlns:r="http://schemas.openxmlformats.org/officeDocument/2006/relationships" xmlns:p="http://schemas.openxmlformats.org/presentationml/2006/main">
+  <p:cSld>
+    <p:spTree>
+      <p:nvGrpSpPr>
+        <p:cNvPr id="1" name=""/>
+        <p:cNvGrpSpPr/>
+        <p:nvPr/>
+      </p:nvGrpSpPr>
+      <p:grpSpPr>
+        <a:xfrm>
+          <a:off x="0" y="0"/>
+          <a:ext cx="0" cy="0"/>
+          <a:chOff x="0" y="0"/>
+          <a:chExt cx="0" cy="0"/>
+        </a:xfrm>
+      </p:grpSpPr>
+      <p:pic>
+        <p:nvPicPr>
+          <p:cNvPr id="3" name="그림 2">
+            <a:extLst>
+              <a:ext uri="{FF2B5EF4-FFF2-40B4-BE49-F238E27FC236}">
+                <a16:creationId xmlns:a16="http://schemas.microsoft.com/office/drawing/2014/main" id="{69B3A2DD-E6DA-2169-CB70-B2753820DCA5}"/>
+              </a:ext>
+            </a:extLst>
+          </p:cNvPr>
+          <p:cNvPicPr>
+            <a:picLocks noChangeAspect="1"/>
+          </p:cNvPicPr>
+          <p:nvPr/>
+        </p:nvPicPr>
+        <p:blipFill>
+          <a:blip r:embed="rId2"/>
+          <a:stretch>
+            <a:fillRect/>
+          </a:stretch>
+        </p:blipFill>
+        <p:spPr>
+          <a:xfrm>
+            <a:off x="488751" y="437142"/>
+            <a:ext cx="7806163" cy="5998163"/>
+          </a:xfrm>
+          <a:prstGeom prst="rect">
+            <a:avLst/>
+          </a:prstGeom>
+        </p:spPr>
+      </p:pic>
+      <p:pic>
+        <p:nvPicPr>
+          <p:cNvPr id="5" name="그림 4">
+            <a:extLst>
+              <a:ext uri="{FF2B5EF4-FFF2-40B4-BE49-F238E27FC236}">
+                <a16:creationId xmlns:a16="http://schemas.microsoft.com/office/drawing/2014/main" id="{410C7FEA-1DC4-E3E9-59A3-CACBFC51668E}"/>
+              </a:ext>
+            </a:extLst>
+          </p:cNvPr>
+          <p:cNvPicPr>
+            <a:picLocks noChangeAspect="1"/>
+          </p:cNvPicPr>
+          <p:nvPr/>
+        </p:nvPicPr>
+        <p:blipFill>
+          <a:blip r:embed="rId3"/>
+          <a:stretch>
+            <a:fillRect/>
+          </a:stretch>
+        </p:blipFill>
+        <p:spPr>
+          <a:xfrm>
+            <a:off x="7282544" y="3436223"/>
+            <a:ext cx="4420706" cy="1345432"/>
+          </a:xfrm>
+          <a:prstGeom prst="rect">
+            <a:avLst/>
+          </a:prstGeom>
+        </p:spPr>
+      </p:pic>
+      <p:sp>
+        <p:nvSpPr>
+          <p:cNvPr id="6" name="TextBox 5">
+            <a:extLst>
+              <a:ext uri="{FF2B5EF4-FFF2-40B4-BE49-F238E27FC236}">
+                <a16:creationId xmlns:a16="http://schemas.microsoft.com/office/drawing/2014/main" id="{AB06D80C-A58F-B287-DC6A-9A020DAF9FE5}"/>
+              </a:ext>
+            </a:extLst>
+          </p:cNvPr>
+          <p:cNvSpPr txBox="1"/>
+          <p:nvPr/>
+        </p:nvSpPr>
+        <p:spPr>
+          <a:xfrm>
+            <a:off x="7282544" y="5152176"/>
+            <a:ext cx="4539342" cy="1015663"/>
+          </a:xfrm>
+          <a:prstGeom prst="rect">
+            <a:avLst/>
+          </a:prstGeom>
+          <a:noFill/>
+        </p:spPr>
+        <p:txBody>
+          <a:bodyPr wrap="square" rtlCol="0">
+            <a:spAutoFit/>
+          </a:bodyPr>
+          <a:lstStyle/>
+          <a:p>
+            <a:pPr marL="285750" indent="-285750">
+              <a:buFont typeface="Arial" panose="020B0604020202020204" pitchFamily="34" charset="0"/>
+              <a:buChar char="•"/>
+            </a:pPr>
+            <a:r>
+              <a:rPr lang="en-US" altLang="ko-KR" sz="2000" dirty="0" err="1">
+                <a:latin typeface="D2Coding" panose="020B0609020101020101" pitchFamily="49" charset="-127"/>
+                <a:ea typeface="D2Coding" panose="020B0609020101020101" pitchFamily="49" charset="-127"/>
+              </a:rPr>
+              <a:t>examtable</a:t>
+            </a:r>
+            <a:r>
+              <a:rPr lang="en-US" altLang="ko-KR" sz="2000" dirty="0">
+                <a:latin typeface="D2Coding" panose="020B0609020101020101" pitchFamily="49" charset="-127"/>
+                <a:ea typeface="D2Coding" panose="020B0609020101020101" pitchFamily="49" charset="-127"/>
+              </a:rPr>
+              <a:t> </a:t>
+            </a:r>
+            <a:r>
+              <a:rPr lang="ko-KR" altLang="en-US" sz="2000" dirty="0">
+                <a:latin typeface="D2Coding" panose="020B0609020101020101" pitchFamily="49" charset="-127"/>
+                <a:ea typeface="D2Coding" panose="020B0609020101020101" pitchFamily="49" charset="-127"/>
+              </a:rPr>
+              <a:t>테이블에 </a:t>
+            </a:r>
+            <a:r>
+              <a:rPr lang="en-US" altLang="ko-KR" sz="2000" dirty="0">
+                <a:latin typeface="D2Coding" panose="020B0609020101020101" pitchFamily="49" charset="-127"/>
+                <a:ea typeface="D2Coding" panose="020B0609020101020101" pitchFamily="49" charset="-127"/>
+              </a:rPr>
+              <a:t>name, </a:t>
+            </a:r>
+            <a:r>
+              <a:rPr lang="en-US" altLang="ko-KR" sz="2000" dirty="0" err="1">
+                <a:latin typeface="D2Coding" panose="020B0609020101020101" pitchFamily="49" charset="-127"/>
+                <a:ea typeface="D2Coding" panose="020B0609020101020101" pitchFamily="49" charset="-127"/>
+              </a:rPr>
+              <a:t>studentid</a:t>
+            </a:r>
+            <a:r>
+              <a:rPr lang="en-US" altLang="ko-KR" sz="2000" dirty="0">
+                <a:latin typeface="D2Coding" panose="020B0609020101020101" pitchFamily="49" charset="-127"/>
+                <a:ea typeface="D2Coding" panose="020B0609020101020101" pitchFamily="49" charset="-127"/>
+              </a:rPr>
+              <a:t>, </a:t>
+            </a:r>
+            <a:r>
+              <a:rPr lang="en-US" altLang="ko-KR" sz="2000" dirty="0" err="1">
+                <a:latin typeface="D2Coding" panose="020B0609020101020101" pitchFamily="49" charset="-127"/>
+                <a:ea typeface="D2Coding" panose="020B0609020101020101" pitchFamily="49" charset="-127"/>
+              </a:rPr>
+              <a:t>kor</a:t>
+            </a:r>
+            <a:r>
+              <a:rPr lang="en-US" altLang="ko-KR" sz="2000" dirty="0">
+                <a:latin typeface="D2Coding" panose="020B0609020101020101" pitchFamily="49" charset="-127"/>
+                <a:ea typeface="D2Coding" panose="020B0609020101020101" pitchFamily="49" charset="-127"/>
+              </a:rPr>
+              <a:t>, </a:t>
+            </a:r>
+            <a:r>
+              <a:rPr lang="en-US" altLang="ko-KR" sz="2000" dirty="0" err="1">
+                <a:latin typeface="D2Coding" panose="020B0609020101020101" pitchFamily="49" charset="-127"/>
+                <a:ea typeface="D2Coding" panose="020B0609020101020101" pitchFamily="49" charset="-127"/>
+              </a:rPr>
+              <a:t>eng</a:t>
+            </a:r>
+            <a:r>
+              <a:rPr lang="en-US" altLang="ko-KR" sz="2000" dirty="0">
+                <a:latin typeface="D2Coding" panose="020B0609020101020101" pitchFamily="49" charset="-127"/>
+                <a:ea typeface="D2Coding" panose="020B0609020101020101" pitchFamily="49" charset="-127"/>
+              </a:rPr>
+              <a:t>, mat </a:t>
+            </a:r>
+          </a:p>
+          <a:p>
+            <a:r>
+              <a:rPr lang="en-US" altLang="ko-KR" sz="2000" dirty="0">
+                <a:latin typeface="D2Coding" panose="020B0609020101020101" pitchFamily="49" charset="-127"/>
+                <a:ea typeface="D2Coding" panose="020B0609020101020101" pitchFamily="49" charset="-127"/>
+              </a:rPr>
+              <a:t>  </a:t>
+            </a:r>
+            <a:r>
+              <a:rPr lang="ko-KR" altLang="en-US" sz="2000" dirty="0">
+                <a:latin typeface="D2Coding" panose="020B0609020101020101" pitchFamily="49" charset="-127"/>
+                <a:ea typeface="D2Coding" panose="020B0609020101020101" pitchFamily="49" charset="-127"/>
+              </a:rPr>
+              <a:t>항목이 생성된 것을 확인</a:t>
+            </a:r>
+          </a:p>
+        </p:txBody>
+      </p:sp>
+    </p:spTree>
+    <p:extLst>
+      <p:ext uri="{BB962C8B-B14F-4D97-AF65-F5344CB8AC3E}">
+        <p14:creationId xmlns:p14="http://schemas.microsoft.com/office/powerpoint/2010/main" val="1232319416"/>
+      </p:ext>
+    </p:extLst>
+  </p:cSld>
+  <p:clrMapOvr>
+    <a:masterClrMapping/>
+  </p:clrMapOvr>
+</p:sld>
+</file>
+
+<file path=ppt/slides/slide26.xml><?xml version="1.0" encoding="utf-8"?>
+<p:sld xmlns:a="http://schemas.openxmlformats.org/drawingml/2006/main" xmlns:r="http://schemas.openxmlformats.org/officeDocument/2006/relationships" xmlns:p="http://schemas.openxmlformats.org/presentationml/2006/main">
+  <p:cSld>
+    <p:spTree>
+      <p:nvGrpSpPr>
+        <p:cNvPr id="1" name=""/>
+        <p:cNvGrpSpPr/>
+        <p:nvPr/>
+      </p:nvGrpSpPr>
+      <p:grpSpPr>
+        <a:xfrm>
+          <a:off x="0" y="0"/>
+          <a:ext cx="0" cy="0"/>
+          <a:chOff x="0" y="0"/>
+          <a:chExt cx="0" cy="0"/>
+        </a:xfrm>
+      </p:grpSpPr>
+      <p:pic>
+        <p:nvPicPr>
+          <p:cNvPr id="3" name="그림 2">
+            <a:extLst>
+              <a:ext uri="{FF2B5EF4-FFF2-40B4-BE49-F238E27FC236}">
+                <a16:creationId xmlns:a16="http://schemas.microsoft.com/office/drawing/2014/main" id="{3D6680B6-5883-27E4-24D8-797D3C0890E5}"/>
+              </a:ext>
+            </a:extLst>
+          </p:cNvPr>
+          <p:cNvPicPr>
+            <a:picLocks noChangeAspect="1"/>
+          </p:cNvPicPr>
+          <p:nvPr/>
+        </p:nvPicPr>
+        <p:blipFill>
+          <a:blip r:embed="rId2"/>
+          <a:stretch>
+            <a:fillRect/>
+          </a:stretch>
+        </p:blipFill>
+        <p:spPr>
+          <a:xfrm>
+            <a:off x="438220" y="480601"/>
+            <a:ext cx="8934379" cy="6030950"/>
+          </a:xfrm>
+          <a:prstGeom prst="rect">
+            <a:avLst/>
+          </a:prstGeom>
+        </p:spPr>
+      </p:pic>
+      <p:pic>
+        <p:nvPicPr>
+          <p:cNvPr id="5" name="그림 4">
+            <a:extLst>
+              <a:ext uri="{FF2B5EF4-FFF2-40B4-BE49-F238E27FC236}">
+                <a16:creationId xmlns:a16="http://schemas.microsoft.com/office/drawing/2014/main" id="{74AAD347-9254-CF6C-4F93-0122108DCCA0}"/>
+              </a:ext>
+            </a:extLst>
+          </p:cNvPr>
+          <p:cNvPicPr>
+            <a:picLocks noChangeAspect="1"/>
+          </p:cNvPicPr>
+          <p:nvPr/>
+        </p:nvPicPr>
+        <p:blipFill>
+          <a:blip r:embed="rId3"/>
+          <a:stretch>
+            <a:fillRect/>
+          </a:stretch>
+        </p:blipFill>
+        <p:spPr>
+          <a:xfrm>
+            <a:off x="438220" y="1199458"/>
+            <a:ext cx="4763165" cy="181000"/>
+          </a:xfrm>
+          <a:prstGeom prst="rect">
+            <a:avLst/>
+          </a:prstGeom>
+        </p:spPr>
+      </p:pic>
+      <p:pic>
+        <p:nvPicPr>
+          <p:cNvPr id="7" name="그림 6">
+            <a:extLst>
+              <a:ext uri="{FF2B5EF4-FFF2-40B4-BE49-F238E27FC236}">
+                <a16:creationId xmlns:a16="http://schemas.microsoft.com/office/drawing/2014/main" id="{5075C4FE-0802-3856-C016-73E583EECF98}"/>
+              </a:ext>
+            </a:extLst>
+          </p:cNvPr>
+          <p:cNvPicPr>
+            <a:picLocks noChangeAspect="1"/>
+          </p:cNvPicPr>
+          <p:nvPr/>
+        </p:nvPicPr>
+        <p:blipFill>
+          <a:blip r:embed="rId4"/>
+          <a:stretch>
+            <a:fillRect/>
+          </a:stretch>
+        </p:blipFill>
+        <p:spPr>
+          <a:xfrm>
+            <a:off x="438220" y="2570680"/>
+            <a:ext cx="8934379" cy="3237236"/>
+          </a:xfrm>
+          <a:prstGeom prst="rect">
+            <a:avLst/>
+          </a:prstGeom>
+        </p:spPr>
+      </p:pic>
+    </p:spTree>
+    <p:extLst>
+      <p:ext uri="{BB962C8B-B14F-4D97-AF65-F5344CB8AC3E}">
+        <p14:creationId xmlns:p14="http://schemas.microsoft.com/office/powerpoint/2010/main" val="1427870879"/>
+      </p:ext>
+    </p:extLst>
+  </p:cSld>
+  <p:clrMapOvr>
+    <a:masterClrMapping/>
+  </p:clrMapOvr>
+</p:sld>
+</file>
+
+<file path=ppt/slides/slide27.xml><?xml version="1.0" encoding="utf-8"?>
+<p:sld xmlns:a="http://schemas.openxmlformats.org/drawingml/2006/main" xmlns:r="http://schemas.openxmlformats.org/officeDocument/2006/relationships" xmlns:p="http://schemas.openxmlformats.org/presentationml/2006/main">
+  <p:cSld>
+    <p:spTree>
+      <p:nvGrpSpPr>
+        <p:cNvPr id="1" name=""/>
+        <p:cNvGrpSpPr/>
+        <p:nvPr/>
+      </p:nvGrpSpPr>
+      <p:grpSpPr>
+        <a:xfrm>
+          <a:off x="0" y="0"/>
+          <a:ext cx="0" cy="0"/>
+          <a:chOff x="0" y="0"/>
+          <a:chExt cx="0" cy="0"/>
+        </a:xfrm>
+      </p:grpSpPr>
+      <p:pic>
+        <p:nvPicPr>
+          <p:cNvPr id="3" name="그림 2">
+            <a:extLst>
+              <a:ext uri="{FF2B5EF4-FFF2-40B4-BE49-F238E27FC236}">
+                <a16:creationId xmlns:a16="http://schemas.microsoft.com/office/drawing/2014/main" id="{726859AD-E744-9F38-E7F5-57F8C4D0BE11}"/>
+              </a:ext>
+            </a:extLst>
+          </p:cNvPr>
+          <p:cNvPicPr>
+            <a:picLocks noChangeAspect="1"/>
+          </p:cNvPicPr>
+          <p:nvPr/>
+        </p:nvPicPr>
+        <p:blipFill>
+          <a:blip r:embed="rId2"/>
+          <a:stretch>
+            <a:fillRect/>
+          </a:stretch>
+        </p:blipFill>
+        <p:spPr>
+          <a:xfrm>
+            <a:off x="371218" y="362875"/>
+            <a:ext cx="7281533" cy="6168553"/>
+          </a:xfrm>
+          <a:prstGeom prst="rect">
+            <a:avLst/>
+          </a:prstGeom>
+        </p:spPr>
+      </p:pic>
+      <p:sp>
+        <p:nvSpPr>
+          <p:cNvPr id="4" name="TextBox 3">
+            <a:extLst>
+              <a:ext uri="{FF2B5EF4-FFF2-40B4-BE49-F238E27FC236}">
+                <a16:creationId xmlns:a16="http://schemas.microsoft.com/office/drawing/2014/main" id="{5F6DD838-7FC9-9081-5062-1ADDFE29C084}"/>
+              </a:ext>
+            </a:extLst>
+          </p:cNvPr>
+          <p:cNvSpPr txBox="1"/>
+          <p:nvPr/>
+        </p:nvSpPr>
+        <p:spPr>
+          <a:xfrm>
+            <a:off x="7759495" y="620486"/>
+            <a:ext cx="4015025" cy="707886"/>
+          </a:xfrm>
+          <a:prstGeom prst="rect">
+            <a:avLst/>
+          </a:prstGeom>
+          <a:noFill/>
+        </p:spPr>
+        <p:txBody>
+          <a:bodyPr wrap="square" rtlCol="0">
+            <a:spAutoFit/>
+          </a:bodyPr>
+          <a:lstStyle/>
+          <a:p>
+            <a:pPr marL="285750" indent="-285750">
+              <a:buFont typeface="Arial" panose="020B0604020202020204" pitchFamily="34" charset="0"/>
+              <a:buChar char="•"/>
+            </a:pPr>
+            <a:r>
+              <a:rPr lang="en-US" altLang="ko-KR" sz="2000" dirty="0" err="1">
+                <a:latin typeface="D2Coding" panose="020B0609020101020101" pitchFamily="49" charset="-127"/>
+                <a:ea typeface="D2Coding" panose="020B0609020101020101" pitchFamily="49" charset="-127"/>
+              </a:rPr>
+              <a:t>examtable</a:t>
+            </a:r>
+            <a:r>
+              <a:rPr lang="en-US" altLang="ko-KR" sz="2000" dirty="0">
+                <a:latin typeface="D2Coding" panose="020B0609020101020101" pitchFamily="49" charset="-127"/>
+                <a:ea typeface="D2Coding" panose="020B0609020101020101" pitchFamily="49" charset="-127"/>
+              </a:rPr>
+              <a:t> </a:t>
+            </a:r>
+            <a:r>
+              <a:rPr lang="ko-KR" altLang="en-US" sz="2000" dirty="0">
+                <a:latin typeface="D2Coding" panose="020B0609020101020101" pitchFamily="49" charset="-127"/>
+                <a:ea typeface="D2Coding" panose="020B0609020101020101" pitchFamily="49" charset="-127"/>
+              </a:rPr>
+              <a:t>테이블에 값들이 제대로 입력된 것을 확인</a:t>
+            </a:r>
+            <a:r>
+              <a:rPr lang="en-US" altLang="ko-KR" sz="2000" dirty="0">
+                <a:latin typeface="D2Coding" panose="020B0609020101020101" pitchFamily="49" charset="-127"/>
+                <a:ea typeface="D2Coding" panose="020B0609020101020101" pitchFamily="49" charset="-127"/>
+              </a:rPr>
+              <a:t>!</a:t>
+            </a:r>
+            <a:endParaRPr lang="ko-KR" altLang="en-US" sz="2000" dirty="0">
+              <a:latin typeface="D2Coding" panose="020B0609020101020101" pitchFamily="49" charset="-127"/>
+              <a:ea typeface="D2Coding" panose="020B0609020101020101" pitchFamily="49" charset="-127"/>
+            </a:endParaRPr>
+          </a:p>
+        </p:txBody>
+      </p:sp>
+    </p:spTree>
+    <p:extLst>
+      <p:ext uri="{BB962C8B-B14F-4D97-AF65-F5344CB8AC3E}">
+        <p14:creationId xmlns:p14="http://schemas.microsoft.com/office/powerpoint/2010/main" val="1392254101"/>
+      </p:ext>
+    </p:extLst>
+  </p:cSld>
+  <p:clrMapOvr>
+    <a:masterClrMapping/>
+  </p:clrMapOvr>
+</p:sld>
+</file>
+
+<file path=ppt/slides/slide28.xml><?xml version="1.0" encoding="utf-8"?>
+<p:sld xmlns:a="http://schemas.openxmlformats.org/drawingml/2006/main" xmlns:r="http://schemas.openxmlformats.org/officeDocument/2006/relationships" xmlns:p="http://schemas.openxmlformats.org/presentationml/2006/main">
+  <p:cSld>
+    <p:spTree>
+      <p:nvGrpSpPr>
+        <p:cNvPr id="1" name=""/>
+        <p:cNvGrpSpPr/>
+        <p:nvPr/>
+      </p:nvGrpSpPr>
+      <p:grpSpPr>
+        <a:xfrm>
+          <a:off x="0" y="0"/>
+          <a:ext cx="0" cy="0"/>
+          <a:chOff x="0" y="0"/>
+          <a:chExt cx="0" cy="0"/>
+        </a:xfrm>
+      </p:grpSpPr>
+      <p:pic>
+        <p:nvPicPr>
+          <p:cNvPr id="3" name="그림 2">
+            <a:extLst>
+              <a:ext uri="{FF2B5EF4-FFF2-40B4-BE49-F238E27FC236}">
+                <a16:creationId xmlns:a16="http://schemas.microsoft.com/office/drawing/2014/main" id="{7039A6C9-8976-F68D-A374-494DCE06673D}"/>
+              </a:ext>
+            </a:extLst>
+          </p:cNvPr>
+          <p:cNvPicPr>
+            <a:picLocks noChangeAspect="1"/>
+          </p:cNvPicPr>
+          <p:nvPr/>
+        </p:nvPicPr>
+        <p:blipFill>
+          <a:blip r:embed="rId2"/>
+          <a:stretch>
+            <a:fillRect/>
+          </a:stretch>
+        </p:blipFill>
+        <p:spPr>
+          <a:xfrm>
+            <a:off x="377844" y="407911"/>
+            <a:ext cx="8708861" cy="6090859"/>
+          </a:xfrm>
+          <a:prstGeom prst="rect">
+            <a:avLst/>
+          </a:prstGeom>
+        </p:spPr>
+      </p:pic>
+      <p:pic>
+        <p:nvPicPr>
+          <p:cNvPr id="5" name="그림 4">
+            <a:extLst>
+              <a:ext uri="{FF2B5EF4-FFF2-40B4-BE49-F238E27FC236}">
+                <a16:creationId xmlns:a16="http://schemas.microsoft.com/office/drawing/2014/main" id="{0133991D-905A-1E17-FCD4-29A959A7199F}"/>
+              </a:ext>
+            </a:extLst>
+          </p:cNvPr>
+          <p:cNvPicPr>
+            <a:picLocks noChangeAspect="1"/>
+          </p:cNvPicPr>
+          <p:nvPr/>
+        </p:nvPicPr>
+        <p:blipFill>
+          <a:blip r:embed="rId3"/>
+          <a:stretch>
+            <a:fillRect/>
+          </a:stretch>
+        </p:blipFill>
+        <p:spPr>
+          <a:xfrm>
+            <a:off x="4830320" y="3506546"/>
+            <a:ext cx="4776335" cy="265352"/>
+          </a:xfrm>
+          <a:prstGeom prst="rect">
+            <a:avLst/>
+          </a:prstGeom>
+        </p:spPr>
+      </p:pic>
+    </p:spTree>
+    <p:extLst>
+      <p:ext uri="{BB962C8B-B14F-4D97-AF65-F5344CB8AC3E}">
+        <p14:creationId xmlns:p14="http://schemas.microsoft.com/office/powerpoint/2010/main" val="1244346908"/>
+      </p:ext>
+    </p:extLst>
+  </p:cSld>
+  <p:clrMapOvr>
+    <a:masterClrMapping/>
+  </p:clrMapOvr>
+</p:sld>
+</file>
+
+<file path=ppt/slides/slide29.xml><?xml version="1.0" encoding="utf-8"?>
+<p:sld xmlns:a="http://schemas.openxmlformats.org/drawingml/2006/main" xmlns:r="http://schemas.openxmlformats.org/officeDocument/2006/relationships" xmlns:p="http://schemas.openxmlformats.org/presentationml/2006/main">
+  <p:cSld>
+    <p:spTree>
+      <p:nvGrpSpPr>
+        <p:cNvPr id="1" name=""/>
+        <p:cNvGrpSpPr/>
+        <p:nvPr/>
+      </p:nvGrpSpPr>
+      <p:grpSpPr>
+        <a:xfrm>
+          <a:off x="0" y="0"/>
+          <a:ext cx="0" cy="0"/>
+          <a:chOff x="0" y="0"/>
+          <a:chExt cx="0" cy="0"/>
+        </a:xfrm>
+      </p:grpSpPr>
+      <p:pic>
+        <p:nvPicPr>
+          <p:cNvPr id="3" name="그림 2">
+            <a:extLst>
+              <a:ext uri="{FF2B5EF4-FFF2-40B4-BE49-F238E27FC236}">
+                <a16:creationId xmlns:a16="http://schemas.microsoft.com/office/drawing/2014/main" id="{B7AC5A0C-360D-F594-2ACC-CCD10C2C4371}"/>
+              </a:ext>
+            </a:extLst>
+          </p:cNvPr>
+          <p:cNvPicPr>
+            <a:picLocks noChangeAspect="1"/>
+          </p:cNvPicPr>
+          <p:nvPr/>
+        </p:nvPicPr>
+        <p:blipFill>
+          <a:blip r:embed="rId2"/>
+          <a:stretch>
+            <a:fillRect/>
+          </a:stretch>
+        </p:blipFill>
+        <p:spPr>
+          <a:xfrm>
+            <a:off x="426703" y="414172"/>
+            <a:ext cx="11236978" cy="3315175"/>
+          </a:xfrm>
+          <a:prstGeom prst="rect">
+            <a:avLst/>
+          </a:prstGeom>
+        </p:spPr>
+      </p:pic>
+      <p:sp>
+        <p:nvSpPr>
+          <p:cNvPr id="4" name="TextBox 3">
+            <a:extLst>
+              <a:ext uri="{FF2B5EF4-FFF2-40B4-BE49-F238E27FC236}">
+                <a16:creationId xmlns:a16="http://schemas.microsoft.com/office/drawing/2014/main" id="{1AF0F836-9BA7-A7D9-B480-6D95F723AFFE}"/>
+              </a:ext>
+            </a:extLst>
+          </p:cNvPr>
+          <p:cNvSpPr txBox="1"/>
+          <p:nvPr/>
+        </p:nvSpPr>
+        <p:spPr>
+          <a:xfrm>
+            <a:off x="426703" y="4323257"/>
+            <a:ext cx="6653605" cy="707886"/>
+          </a:xfrm>
+          <a:prstGeom prst="rect">
+            <a:avLst/>
+          </a:prstGeom>
+          <a:noFill/>
+        </p:spPr>
+        <p:txBody>
+          <a:bodyPr wrap="square" rtlCol="0">
+            <a:spAutoFit/>
+          </a:bodyPr>
+          <a:lstStyle/>
+          <a:p>
+            <a:pPr marL="285750" indent="-285750">
+              <a:buFont typeface="Arial" panose="020B0604020202020204" pitchFamily="34" charset="0"/>
+              <a:buChar char="•"/>
+            </a:pPr>
+            <a:r>
+              <a:rPr lang="en-US" altLang="ko-KR" sz="2000" dirty="0" err="1">
+                <a:latin typeface="D2Coding" panose="020B0609020101020101" pitchFamily="49" charset="-127"/>
+                <a:ea typeface="D2Coding" panose="020B0609020101020101" pitchFamily="49" charset="-127"/>
+              </a:rPr>
+              <a:t>sqlite</a:t>
+            </a:r>
+            <a:r>
+              <a:rPr lang="ko-KR" altLang="en-US" sz="2000" dirty="0">
+                <a:latin typeface="D2Coding" panose="020B0609020101020101" pitchFamily="49" charset="-127"/>
+                <a:ea typeface="D2Coding" panose="020B0609020101020101" pitchFamily="49" charset="-127"/>
+              </a:rPr>
+              <a:t>에 저장된 </a:t>
+            </a:r>
+            <a:r>
+              <a:rPr lang="en-US" altLang="ko-KR" sz="2000" dirty="0" err="1">
+                <a:latin typeface="D2Coding" panose="020B0609020101020101" pitchFamily="49" charset="-127"/>
+                <a:ea typeface="D2Coding" panose="020B0609020101020101" pitchFamily="49" charset="-127"/>
+              </a:rPr>
+              <a:t>examtable</a:t>
+            </a:r>
+            <a:r>
+              <a:rPr lang="en-US" altLang="ko-KR" sz="2000" dirty="0">
+                <a:latin typeface="D2Coding" panose="020B0609020101020101" pitchFamily="49" charset="-127"/>
+                <a:ea typeface="D2Coding" panose="020B0609020101020101" pitchFamily="49" charset="-127"/>
+              </a:rPr>
+              <a:t> </a:t>
+            </a:r>
+            <a:r>
+              <a:rPr lang="ko-KR" altLang="en-US" sz="2000" dirty="0">
+                <a:latin typeface="D2Coding" panose="020B0609020101020101" pitchFamily="49" charset="-127"/>
+                <a:ea typeface="D2Coding" panose="020B0609020101020101" pitchFamily="49" charset="-127"/>
+              </a:rPr>
+              <a:t>테이블의 </a:t>
+            </a:r>
+            <a:r>
+              <a:rPr lang="en-US" altLang="ko-KR" sz="2000" dirty="0">
+                <a:latin typeface="D2Coding" panose="020B0609020101020101" pitchFamily="49" charset="-127"/>
+                <a:ea typeface="D2Coding" panose="020B0609020101020101" pitchFamily="49" charset="-127"/>
+              </a:rPr>
+              <a:t>field </a:t>
+            </a:r>
+            <a:r>
+              <a:rPr lang="ko-KR" altLang="en-US" sz="2000" dirty="0">
+                <a:latin typeface="D2Coding" panose="020B0609020101020101" pitchFamily="49" charset="-127"/>
+                <a:ea typeface="D2Coding" panose="020B0609020101020101" pitchFamily="49" charset="-127"/>
+              </a:rPr>
+              <a:t>값들이 원하는 </a:t>
+            </a:r>
+            <a:r>
+              <a:rPr lang="ko-KR" altLang="en-US" sz="2000" dirty="0" err="1">
+                <a:latin typeface="D2Coding" panose="020B0609020101020101" pitchFamily="49" charset="-127"/>
+                <a:ea typeface="D2Coding" panose="020B0609020101020101" pitchFamily="49" charset="-127"/>
+              </a:rPr>
+              <a:t>포멧팅된</a:t>
+            </a:r>
+            <a:r>
+              <a:rPr lang="ko-KR" altLang="en-US" sz="2000" dirty="0">
+                <a:latin typeface="D2Coding" panose="020B0609020101020101" pitchFamily="49" charset="-127"/>
+                <a:ea typeface="D2Coding" panose="020B0609020101020101" pitchFamily="49" charset="-127"/>
+              </a:rPr>
+              <a:t> 형태로 </a:t>
+            </a:r>
+            <a:r>
+              <a:rPr lang="en-US" altLang="ko-KR" sz="2000" dirty="0">
+                <a:latin typeface="D2Coding" panose="020B0609020101020101" pitchFamily="49" charset="-127"/>
+                <a:ea typeface="D2Coding" panose="020B0609020101020101" pitchFamily="49" charset="-127"/>
+              </a:rPr>
+              <a:t>print </a:t>
+            </a:r>
+            <a:r>
+              <a:rPr lang="ko-KR" altLang="en-US" sz="2000" dirty="0">
+                <a:latin typeface="D2Coding" panose="020B0609020101020101" pitchFamily="49" charset="-127"/>
+                <a:ea typeface="D2Coding" panose="020B0609020101020101" pitchFamily="49" charset="-127"/>
+              </a:rPr>
+              <a:t>된 것을 확인</a:t>
+            </a:r>
+          </a:p>
+        </p:txBody>
+      </p:sp>
+    </p:spTree>
+    <p:extLst>
+      <p:ext uri="{BB962C8B-B14F-4D97-AF65-F5344CB8AC3E}">
+        <p14:creationId xmlns:p14="http://schemas.microsoft.com/office/powerpoint/2010/main" val="3929737410"/>
+      </p:ext>
+    </p:extLst>
+  </p:cSld>
+  <p:clrMapOvr>
+    <a:masterClrMapping/>
+  </p:clrMapOvr>
+</p:sld>
+</file>
+
+<file path=ppt/slides/slide3.xml><?xml version="1.0" encoding="utf-8"?>
+<p:sld xmlns:a="http://schemas.openxmlformats.org/drawingml/2006/main" xmlns:r="http://schemas.openxmlformats.org/officeDocument/2006/relationships" xmlns:p="http://schemas.openxmlformats.org/presentationml/2006/main">
+  <p:cSld>
+    <p:spTree>
+      <p:nvGrpSpPr>
+        <p:cNvPr id="1" name=""/>
+        <p:cNvGrpSpPr/>
+        <p:nvPr/>
+      </p:nvGrpSpPr>
+      <p:grpSpPr>
+        <a:xfrm>
+          <a:off x="0" y="0"/>
+          <a:ext cx="0" cy="0"/>
+          <a:chOff x="0" y="0"/>
+          <a:chExt cx="0" cy="0"/>
+        </a:xfrm>
+      </p:grpSpPr>
+      <p:sp>
+        <p:nvSpPr>
+          <p:cNvPr id="2" name="TextBox 1">
+            <a:extLst>
+              <a:ext uri="{FF2B5EF4-FFF2-40B4-BE49-F238E27FC236}">
+                <a16:creationId xmlns:a16="http://schemas.microsoft.com/office/drawing/2014/main" id="{6D5E47BA-144B-6E25-E282-8F211ABD5221}"/>
+              </a:ext>
+            </a:extLst>
+          </p:cNvPr>
+          <p:cNvSpPr txBox="1"/>
+          <p:nvPr/>
+        </p:nvSpPr>
+        <p:spPr>
+          <a:xfrm>
+            <a:off x="1139371" y="2610838"/>
+            <a:ext cx="9913258" cy="830997"/>
+          </a:xfrm>
+          <a:prstGeom prst="rect">
+            <a:avLst/>
+          </a:prstGeom>
+          <a:noFill/>
+        </p:spPr>
+        <p:txBody>
+          <a:bodyPr wrap="square" rtlCol="0">
+            <a:spAutoFit/>
+          </a:bodyPr>
+          <a:lstStyle/>
+          <a:p>
+            <a:pPr algn="ctr"/>
+            <a:r>
+              <a:rPr lang="en-US" altLang="ko-KR" sz="4800" b="1" dirty="0">
+                <a:solidFill>
+                  <a:schemeClr val="accent1"/>
+                </a:solidFill>
+                <a:latin typeface="+mn-ea"/>
+              </a:rPr>
+              <a:t>&lt; </a:t>
+            </a:r>
+            <a:r>
+              <a:rPr lang="ko-KR" altLang="en-US" sz="4800" b="1" dirty="0">
+                <a:solidFill>
+                  <a:schemeClr val="accent1"/>
+                </a:solidFill>
+                <a:latin typeface="+mn-ea"/>
+              </a:rPr>
+              <a:t>파일 </a:t>
+            </a:r>
+            <a:r>
+              <a:rPr lang="en-US" altLang="ko-KR" sz="4800" b="1" dirty="0">
+                <a:solidFill>
+                  <a:schemeClr val="accent1"/>
+                </a:solidFill>
+                <a:latin typeface="+mn-ea"/>
+              </a:rPr>
+              <a:t>&gt;</a:t>
+            </a:r>
+            <a:endParaRPr lang="ko-KR" altLang="en-US" sz="4800" b="1" dirty="0">
+              <a:solidFill>
+                <a:schemeClr val="accent1"/>
+              </a:solidFill>
+              <a:latin typeface="+mn-ea"/>
+            </a:endParaRPr>
+          </a:p>
+        </p:txBody>
+      </p:sp>
+    </p:spTree>
+    <p:extLst>
+      <p:ext uri="{BB962C8B-B14F-4D97-AF65-F5344CB8AC3E}">
+        <p14:creationId xmlns:p14="http://schemas.microsoft.com/office/powerpoint/2010/main" val="2450836371"/>
+      </p:ext>
+    </p:extLst>
+  </p:cSld>
+  <p:clrMapOvr>
+    <a:masterClrMapping/>
+  </p:clrMapOvr>
+</p:sld>
+</file>
+
+<file path=ppt/slides/slide30.xml><?xml version="1.0" encoding="utf-8"?>
+<p:sld xmlns:a="http://schemas.openxmlformats.org/drawingml/2006/main" xmlns:r="http://schemas.openxmlformats.org/officeDocument/2006/relationships" xmlns:p="http://schemas.openxmlformats.org/presentationml/2006/main">
+  <p:cSld>
+    <p:spTree>
+      <p:nvGrpSpPr>
+        <p:cNvPr id="1" name=""/>
+        <p:cNvGrpSpPr/>
+        <p:nvPr/>
+      </p:nvGrpSpPr>
+      <p:grpSpPr>
+        <a:xfrm>
+          <a:off x="0" y="0"/>
+          <a:ext cx="0" cy="0"/>
+          <a:chOff x="0" y="0"/>
+          <a:chExt cx="0" cy="0"/>
+        </a:xfrm>
+      </p:grpSpPr>
+      <p:sp>
+        <p:nvSpPr>
+          <p:cNvPr id="2" name="TextBox 1">
+            <a:extLst>
+              <a:ext uri="{FF2B5EF4-FFF2-40B4-BE49-F238E27FC236}">
+                <a16:creationId xmlns:a16="http://schemas.microsoft.com/office/drawing/2014/main" id="{6D5E47BA-144B-6E25-E282-8F211ABD5221}"/>
+              </a:ext>
+            </a:extLst>
+          </p:cNvPr>
+          <p:cNvSpPr txBox="1"/>
+          <p:nvPr/>
+        </p:nvSpPr>
+        <p:spPr>
+          <a:xfrm>
+            <a:off x="1139371" y="2610838"/>
+            <a:ext cx="9913258" cy="830997"/>
+          </a:xfrm>
+          <a:prstGeom prst="rect">
+            <a:avLst/>
+          </a:prstGeom>
+          <a:noFill/>
+        </p:spPr>
+        <p:txBody>
+          <a:bodyPr wrap="square" rtlCol="0">
+            <a:spAutoFit/>
+          </a:bodyPr>
+          <a:lstStyle/>
+          <a:p>
+            <a:pPr algn="ctr"/>
+            <a:r>
+              <a:rPr lang="en-US" altLang="ko-KR" sz="4800" b="1" dirty="0">
+                <a:solidFill>
+                  <a:schemeClr val="accent1"/>
+                </a:solidFill>
+                <a:latin typeface="+mn-ea"/>
+              </a:rPr>
+              <a:t>&lt; </a:t>
+            </a:r>
+            <a:r>
+              <a:rPr lang="ko-KR" altLang="en-US" sz="4800" b="1" dirty="0">
+                <a:solidFill>
+                  <a:schemeClr val="accent1"/>
+                </a:solidFill>
+                <a:latin typeface="+mn-ea"/>
+              </a:rPr>
+              <a:t>정리하기 </a:t>
+            </a:r>
+            <a:r>
+              <a:rPr lang="en-US" altLang="ko-KR" sz="4800" b="1" dirty="0">
+                <a:solidFill>
+                  <a:schemeClr val="accent1"/>
+                </a:solidFill>
+                <a:latin typeface="+mn-ea"/>
+              </a:rPr>
+              <a:t>&gt;</a:t>
+            </a:r>
+            <a:endParaRPr lang="ko-KR" altLang="en-US" sz="4800" b="1" dirty="0">
+              <a:solidFill>
+                <a:schemeClr val="accent1"/>
+              </a:solidFill>
+              <a:latin typeface="+mn-ea"/>
+            </a:endParaRPr>
+          </a:p>
+        </p:txBody>
+      </p:sp>
+    </p:spTree>
+    <p:extLst>
+      <p:ext uri="{BB962C8B-B14F-4D97-AF65-F5344CB8AC3E}">
+        <p14:creationId xmlns:p14="http://schemas.microsoft.com/office/powerpoint/2010/main" val="3896227482"/>
+      </p:ext>
+    </p:extLst>
+  </p:cSld>
+  <p:clrMapOvr>
+    <a:masterClrMapping/>
+  </p:clrMapOvr>
+</p:sld>
+</file>
+
+<file path=ppt/slides/slide31.xml><?xml version="1.0" encoding="utf-8"?>
+<p:sld xmlns:a="http://schemas.openxmlformats.org/drawingml/2006/main" xmlns:r="http://schemas.openxmlformats.org/officeDocument/2006/relationships" xmlns:p="http://schemas.openxmlformats.org/presentationml/2006/main">
+  <p:cSld>
+    <p:spTree>
+      <p:nvGrpSpPr>
+        <p:cNvPr id="1" name=""/>
+        <p:cNvGrpSpPr/>
+        <p:nvPr/>
+      </p:nvGrpSpPr>
+      <p:grpSpPr>
+        <a:xfrm>
+          <a:off x="0" y="0"/>
+          <a:ext cx="0" cy="0"/>
+          <a:chOff x="0" y="0"/>
+          <a:chExt cx="0" cy="0"/>
+        </a:xfrm>
+      </p:grpSpPr>
+      <p:pic>
+        <p:nvPicPr>
+          <p:cNvPr id="3" name="그림 2">
+            <a:extLst>
+              <a:ext uri="{FF2B5EF4-FFF2-40B4-BE49-F238E27FC236}">
+                <a16:creationId xmlns:a16="http://schemas.microsoft.com/office/drawing/2014/main" id="{67E3B524-5F31-E68E-4B0C-B4C54445E5D6}"/>
+              </a:ext>
+            </a:extLst>
+          </p:cNvPr>
+          <p:cNvPicPr>
+            <a:picLocks noChangeAspect="1"/>
+          </p:cNvPicPr>
+          <p:nvPr/>
+        </p:nvPicPr>
+        <p:blipFill>
+          <a:blip r:embed="rId2"/>
+          <a:stretch>
+            <a:fillRect/>
+          </a:stretch>
+        </p:blipFill>
+        <p:spPr>
+          <a:xfrm>
+            <a:off x="418308" y="387521"/>
+            <a:ext cx="6374378" cy="4556182"/>
+          </a:xfrm>
+          <a:prstGeom prst="rect">
+            <a:avLst/>
+          </a:prstGeom>
+        </p:spPr>
+      </p:pic>
+      <p:pic>
+        <p:nvPicPr>
+          <p:cNvPr id="5" name="그림 4">
+            <a:extLst>
+              <a:ext uri="{FF2B5EF4-FFF2-40B4-BE49-F238E27FC236}">
+                <a16:creationId xmlns:a16="http://schemas.microsoft.com/office/drawing/2014/main" id="{D39106A5-AC84-64A7-3FC3-F640E62AC0C0}"/>
+              </a:ext>
+            </a:extLst>
+          </p:cNvPr>
+          <p:cNvPicPr>
+            <a:picLocks noChangeAspect="1"/>
+          </p:cNvPicPr>
+          <p:nvPr/>
+        </p:nvPicPr>
+        <p:blipFill>
+          <a:blip r:embed="rId3"/>
+          <a:stretch>
+            <a:fillRect/>
+          </a:stretch>
+        </p:blipFill>
+        <p:spPr>
+          <a:xfrm>
+            <a:off x="418308" y="4943703"/>
+            <a:ext cx="6378620" cy="1408111"/>
+          </a:xfrm>
+          <a:prstGeom prst="rect">
+            <a:avLst/>
+          </a:prstGeom>
+        </p:spPr>
+      </p:pic>
+    </p:spTree>
+    <p:extLst>
+      <p:ext uri="{BB962C8B-B14F-4D97-AF65-F5344CB8AC3E}">
+        <p14:creationId xmlns:p14="http://schemas.microsoft.com/office/powerpoint/2010/main" val="433877586"/>
+      </p:ext>
+    </p:extLst>
+  </p:cSld>
+  <p:clrMapOvr>
+    <a:masterClrMapping/>
+  </p:clrMapOvr>
+</p:sld>
+</file>
+
+<file path=ppt/slides/slide4.xml><?xml version="1.0" encoding="utf-8"?>
 <p:sld xmlns:a="http://schemas.openxmlformats.org/drawingml/2006/main" xmlns:r="http://schemas.openxmlformats.org/officeDocument/2006/relationships" xmlns:p="http://schemas.openxmlformats.org/presentationml/2006/main">
   <p:cSld>
     <p:spTree>
@@ -4477,127 +6638,7 @@
 </p:sld>
 </file>
 
-<file path=ppt/slides/slide20.xml><?xml version="1.0" encoding="utf-8"?>
-<p:sld xmlns:a="http://schemas.openxmlformats.org/drawingml/2006/main" xmlns:r="http://schemas.openxmlformats.org/officeDocument/2006/relationships" xmlns:p="http://schemas.openxmlformats.org/presentationml/2006/main">
-  <p:cSld>
-    <p:spTree>
-      <p:nvGrpSpPr>
-        <p:cNvPr id="1" name=""/>
-        <p:cNvGrpSpPr/>
-        <p:nvPr/>
-      </p:nvGrpSpPr>
-      <p:grpSpPr>
-        <a:xfrm>
-          <a:off x="0" y="0"/>
-          <a:ext cx="0" cy="0"/>
-          <a:chOff x="0" y="0"/>
-          <a:chExt cx="0" cy="0"/>
-        </a:xfrm>
-      </p:grpSpPr>
-    </p:spTree>
-    <p:extLst>
-      <p:ext uri="{BB962C8B-B14F-4D97-AF65-F5344CB8AC3E}">
-        <p14:creationId xmlns:p14="http://schemas.microsoft.com/office/powerpoint/2010/main" val="2582537242"/>
-      </p:ext>
-    </p:extLst>
-  </p:cSld>
-  <p:clrMapOvr>
-    <a:masterClrMapping/>
-  </p:clrMapOvr>
-</p:sld>
-</file>
-
-<file path=ppt/slides/slide21.xml><?xml version="1.0" encoding="utf-8"?>
-<p:sld xmlns:a="http://schemas.openxmlformats.org/drawingml/2006/main" xmlns:r="http://schemas.openxmlformats.org/officeDocument/2006/relationships" xmlns:p="http://schemas.openxmlformats.org/presentationml/2006/main">
-  <p:cSld>
-    <p:spTree>
-      <p:nvGrpSpPr>
-        <p:cNvPr id="1" name=""/>
-        <p:cNvGrpSpPr/>
-        <p:nvPr/>
-      </p:nvGrpSpPr>
-      <p:grpSpPr>
-        <a:xfrm>
-          <a:off x="0" y="0"/>
-          <a:ext cx="0" cy="0"/>
-          <a:chOff x="0" y="0"/>
-          <a:chExt cx="0" cy="0"/>
-        </a:xfrm>
-      </p:grpSpPr>
-    </p:spTree>
-    <p:extLst>
-      <p:ext uri="{BB962C8B-B14F-4D97-AF65-F5344CB8AC3E}">
-        <p14:creationId xmlns:p14="http://schemas.microsoft.com/office/powerpoint/2010/main" val="1232319416"/>
-      </p:ext>
-    </p:extLst>
-  </p:cSld>
-  <p:clrMapOvr>
-    <a:masterClrMapping/>
-  </p:clrMapOvr>
-</p:sld>
-</file>
-
-<file path=ppt/slides/slide22.xml><?xml version="1.0" encoding="utf-8"?>
-<p:sld xmlns:a="http://schemas.openxmlformats.org/drawingml/2006/main" xmlns:r="http://schemas.openxmlformats.org/officeDocument/2006/relationships" xmlns:p="http://schemas.openxmlformats.org/presentationml/2006/main">
-  <p:cSld>
-    <p:spTree>
-      <p:nvGrpSpPr>
-        <p:cNvPr id="1" name=""/>
-        <p:cNvGrpSpPr/>
-        <p:nvPr/>
-      </p:nvGrpSpPr>
-      <p:grpSpPr>
-        <a:xfrm>
-          <a:off x="0" y="0"/>
-          <a:ext cx="0" cy="0"/>
-          <a:chOff x="0" y="0"/>
-          <a:chExt cx="0" cy="0"/>
-        </a:xfrm>
-      </p:grpSpPr>
-    </p:spTree>
-    <p:extLst>
-      <p:ext uri="{BB962C8B-B14F-4D97-AF65-F5344CB8AC3E}">
-        <p14:creationId xmlns:p14="http://schemas.microsoft.com/office/powerpoint/2010/main" val="1244346908"/>
-      </p:ext>
-    </p:extLst>
-  </p:cSld>
-  <p:clrMapOvr>
-    <a:masterClrMapping/>
-  </p:clrMapOvr>
-</p:sld>
-</file>
-
-<file path=ppt/slides/slide23.xml><?xml version="1.0" encoding="utf-8"?>
-<p:sld xmlns:a="http://schemas.openxmlformats.org/drawingml/2006/main" xmlns:r="http://schemas.openxmlformats.org/officeDocument/2006/relationships" xmlns:p="http://schemas.openxmlformats.org/presentationml/2006/main">
-  <p:cSld>
-    <p:spTree>
-      <p:nvGrpSpPr>
-        <p:cNvPr id="1" name=""/>
-        <p:cNvGrpSpPr/>
-        <p:nvPr/>
-      </p:nvGrpSpPr>
-      <p:grpSpPr>
-        <a:xfrm>
-          <a:off x="0" y="0"/>
-          <a:ext cx="0" cy="0"/>
-          <a:chOff x="0" y="0"/>
-          <a:chExt cx="0" cy="0"/>
-        </a:xfrm>
-      </p:grpSpPr>
-    </p:spTree>
-    <p:extLst>
-      <p:ext uri="{BB962C8B-B14F-4D97-AF65-F5344CB8AC3E}">
-        <p14:creationId xmlns:p14="http://schemas.microsoft.com/office/powerpoint/2010/main" val="433877586"/>
-      </p:ext>
-    </p:extLst>
-  </p:cSld>
-  <p:clrMapOvr>
-    <a:masterClrMapping/>
-  </p:clrMapOvr>
-</p:sld>
-</file>
-
-<file path=ppt/slides/slide3.xml><?xml version="1.0" encoding="utf-8"?>
+<file path=ppt/slides/slide5.xml><?xml version="1.0" encoding="utf-8"?>
 <p:sld xmlns:a="http://schemas.openxmlformats.org/drawingml/2006/main" xmlns:r="http://schemas.openxmlformats.org/officeDocument/2006/relationships" xmlns:p="http://schemas.openxmlformats.org/presentationml/2006/main">
   <p:cSld>
     <p:spTree>
@@ -4657,7 +6698,7 @@
 </p:sld>
 </file>
 
-<file path=ppt/slides/slide4.xml><?xml version="1.0" encoding="utf-8"?>
+<file path=ppt/slides/slide6.xml><?xml version="1.0" encoding="utf-8"?>
 <p:sld xmlns:a="http://schemas.openxmlformats.org/drawingml/2006/main" xmlns:r="http://schemas.openxmlformats.org/officeDocument/2006/relationships" xmlns:p="http://schemas.openxmlformats.org/presentationml/2006/main">
   <p:cSld>
     <p:spTree>
@@ -4747,7 +6788,7 @@
 </p:sld>
 </file>
 
-<file path=ppt/slides/slide5.xml><?xml version="1.0" encoding="utf-8"?>
+<file path=ppt/slides/slide7.xml><?xml version="1.0" encoding="utf-8"?>
 <p:sld xmlns:a="http://schemas.openxmlformats.org/drawingml/2006/main" xmlns:r="http://schemas.openxmlformats.org/officeDocument/2006/relationships" xmlns:p="http://schemas.openxmlformats.org/presentationml/2006/main">
   <p:cSld>
     <p:spTree>
@@ -4807,7 +6848,7 @@
 </p:sld>
 </file>
 
-<file path=ppt/slides/slide6.xml><?xml version="1.0" encoding="utf-8"?>
+<file path=ppt/slides/slide8.xml><?xml version="1.0" encoding="utf-8"?>
 <p:sld xmlns:a="http://schemas.openxmlformats.org/drawingml/2006/main" xmlns:r="http://schemas.openxmlformats.org/officeDocument/2006/relationships" xmlns:p="http://schemas.openxmlformats.org/presentationml/2006/main">
   <p:cSld>
     <p:spTree>
@@ -4987,7 +7028,7 @@
 </p:sld>
 </file>
 
-<file path=ppt/slides/slide7.xml><?xml version="1.0" encoding="utf-8"?>
+<file path=ppt/slides/slide9.xml><?xml version="1.0" encoding="utf-8"?>
 <p:sld xmlns:a="http://schemas.openxmlformats.org/drawingml/2006/main" xmlns:r="http://schemas.openxmlformats.org/officeDocument/2006/relationships" xmlns:p="http://schemas.openxmlformats.org/presentationml/2006/main">
   <p:cSld>
     <p:spTree>
@@ -5188,336 +7229,6 @@
     <p:extLst>
       <p:ext uri="{BB962C8B-B14F-4D97-AF65-F5344CB8AC3E}">
         <p14:creationId xmlns:p14="http://schemas.microsoft.com/office/powerpoint/2010/main" val="255535736"/>
-      </p:ext>
-    </p:extLst>
-  </p:cSld>
-  <p:clrMapOvr>
-    <a:masterClrMapping/>
-  </p:clrMapOvr>
-</p:sld>
-</file>
-
-<file path=ppt/slides/slide8.xml><?xml version="1.0" encoding="utf-8"?>
-<p:sld xmlns:a="http://schemas.openxmlformats.org/drawingml/2006/main" xmlns:r="http://schemas.openxmlformats.org/officeDocument/2006/relationships" xmlns:p="http://schemas.openxmlformats.org/presentationml/2006/main">
-  <p:cSld>
-    <p:spTree>
-      <p:nvGrpSpPr>
-        <p:cNvPr id="1" name=""/>
-        <p:cNvGrpSpPr/>
-        <p:nvPr/>
-      </p:nvGrpSpPr>
-      <p:grpSpPr>
-        <a:xfrm>
-          <a:off x="0" y="0"/>
-          <a:ext cx="0" cy="0"/>
-          <a:chOff x="0" y="0"/>
-          <a:chExt cx="0" cy="0"/>
-        </a:xfrm>
-      </p:grpSpPr>
-      <p:pic>
-        <p:nvPicPr>
-          <p:cNvPr id="3" name="그림 2">
-            <a:extLst>
-              <a:ext uri="{FF2B5EF4-FFF2-40B4-BE49-F238E27FC236}">
-                <a16:creationId xmlns:a16="http://schemas.microsoft.com/office/drawing/2014/main" id="{D05C12CD-E7CC-8E65-3810-622B12D71A43}"/>
-              </a:ext>
-            </a:extLst>
-          </p:cNvPr>
-          <p:cNvPicPr>
-            <a:picLocks noChangeAspect="1"/>
-          </p:cNvPicPr>
-          <p:nvPr/>
-        </p:nvPicPr>
-        <p:blipFill>
-          <a:blip r:embed="rId2"/>
-          <a:stretch>
-            <a:fillRect/>
-          </a:stretch>
-        </p:blipFill>
-        <p:spPr>
-          <a:xfrm>
-            <a:off x="401138" y="342900"/>
-            <a:ext cx="936140" cy="6188529"/>
-          </a:xfrm>
-          <a:prstGeom prst="rect">
-            <a:avLst/>
-          </a:prstGeom>
-        </p:spPr>
-      </p:pic>
-      <p:pic>
-        <p:nvPicPr>
-          <p:cNvPr id="5" name="그림 4">
-            <a:extLst>
-              <a:ext uri="{FF2B5EF4-FFF2-40B4-BE49-F238E27FC236}">
-                <a16:creationId xmlns:a16="http://schemas.microsoft.com/office/drawing/2014/main" id="{A6D7B6B9-CD54-B2EA-661F-95279184785B}"/>
-              </a:ext>
-            </a:extLst>
-          </p:cNvPr>
-          <p:cNvPicPr>
-            <a:picLocks noChangeAspect="1"/>
-          </p:cNvPicPr>
-          <p:nvPr/>
-        </p:nvPicPr>
-        <p:blipFill>
-          <a:blip r:embed="rId3"/>
-          <a:stretch>
-            <a:fillRect/>
-          </a:stretch>
-        </p:blipFill>
-        <p:spPr>
-          <a:xfrm>
-            <a:off x="1337278" y="342900"/>
-            <a:ext cx="921543" cy="6172200"/>
-          </a:xfrm>
-          <a:prstGeom prst="rect">
-            <a:avLst/>
-          </a:prstGeom>
-        </p:spPr>
-      </p:pic>
-      <p:pic>
-        <p:nvPicPr>
-          <p:cNvPr id="7" name="그림 6">
-            <a:extLst>
-              <a:ext uri="{FF2B5EF4-FFF2-40B4-BE49-F238E27FC236}">
-                <a16:creationId xmlns:a16="http://schemas.microsoft.com/office/drawing/2014/main" id="{90998711-C43B-09B0-D62D-ADA3DAA6A853}"/>
-              </a:ext>
-            </a:extLst>
-          </p:cNvPr>
-          <p:cNvPicPr>
-            <a:picLocks noChangeAspect="1"/>
-          </p:cNvPicPr>
-          <p:nvPr/>
-        </p:nvPicPr>
-        <p:blipFill>
-          <a:blip r:embed="rId4"/>
-          <a:stretch>
-            <a:fillRect/>
-          </a:stretch>
-        </p:blipFill>
-        <p:spPr>
-          <a:xfrm>
-            <a:off x="2278861" y="342900"/>
-            <a:ext cx="917881" cy="6188529"/>
-          </a:xfrm>
-          <a:prstGeom prst="rect">
-            <a:avLst/>
-          </a:prstGeom>
-        </p:spPr>
-      </p:pic>
-      <p:pic>
-        <p:nvPicPr>
-          <p:cNvPr id="9" name="그림 8">
-            <a:extLst>
-              <a:ext uri="{FF2B5EF4-FFF2-40B4-BE49-F238E27FC236}">
-                <a16:creationId xmlns:a16="http://schemas.microsoft.com/office/drawing/2014/main" id="{A9AA3E8E-DED3-0256-4FF8-408C68C8689F}"/>
-              </a:ext>
-            </a:extLst>
-          </p:cNvPr>
-          <p:cNvPicPr>
-            <a:picLocks noChangeAspect="1"/>
-          </p:cNvPicPr>
-          <p:nvPr/>
-        </p:nvPicPr>
-        <p:blipFill>
-          <a:blip r:embed="rId5"/>
-          <a:stretch>
-            <a:fillRect/>
-          </a:stretch>
-        </p:blipFill>
-        <p:spPr>
-          <a:xfrm>
-            <a:off x="3216782" y="342900"/>
-            <a:ext cx="929071" cy="6172200"/>
-          </a:xfrm>
-          <a:prstGeom prst="rect">
-            <a:avLst/>
-          </a:prstGeom>
-        </p:spPr>
-      </p:pic>
-      <p:pic>
-        <p:nvPicPr>
-          <p:cNvPr id="11" name="그림 10">
-            <a:extLst>
-              <a:ext uri="{FF2B5EF4-FFF2-40B4-BE49-F238E27FC236}">
-                <a16:creationId xmlns:a16="http://schemas.microsoft.com/office/drawing/2014/main" id="{37C9E3A2-DCEF-A613-6077-A67F2ACC2E2C}"/>
-              </a:ext>
-            </a:extLst>
-          </p:cNvPr>
-          <p:cNvPicPr>
-            <a:picLocks noChangeAspect="1"/>
-          </p:cNvPicPr>
-          <p:nvPr/>
-        </p:nvPicPr>
-        <p:blipFill>
-          <a:blip r:embed="rId6"/>
-          <a:stretch>
-            <a:fillRect/>
-          </a:stretch>
-        </p:blipFill>
-        <p:spPr>
-          <a:xfrm>
-            <a:off x="4165894" y="342900"/>
-            <a:ext cx="917882" cy="6188534"/>
-          </a:xfrm>
-          <a:prstGeom prst="rect">
-            <a:avLst/>
-          </a:prstGeom>
-        </p:spPr>
-      </p:pic>
-      <p:pic>
-        <p:nvPicPr>
-          <p:cNvPr id="13" name="그림 12">
-            <a:extLst>
-              <a:ext uri="{FF2B5EF4-FFF2-40B4-BE49-F238E27FC236}">
-                <a16:creationId xmlns:a16="http://schemas.microsoft.com/office/drawing/2014/main" id="{FCE8BF9B-E050-1B85-C81E-1E9A9DD1A953}"/>
-              </a:ext>
-            </a:extLst>
-          </p:cNvPr>
-          <p:cNvPicPr>
-            <a:picLocks noChangeAspect="1"/>
-          </p:cNvPicPr>
-          <p:nvPr/>
-        </p:nvPicPr>
-        <p:blipFill>
-          <a:blip r:embed="rId7"/>
-          <a:stretch>
-            <a:fillRect/>
-          </a:stretch>
-        </p:blipFill>
-        <p:spPr>
-          <a:xfrm>
-            <a:off x="5115005" y="342900"/>
-            <a:ext cx="894003" cy="6172200"/>
-          </a:xfrm>
-          <a:prstGeom prst="rect">
-            <a:avLst/>
-          </a:prstGeom>
-        </p:spPr>
-      </p:pic>
-      <p:pic>
-        <p:nvPicPr>
-          <p:cNvPr id="15" name="그림 14">
-            <a:extLst>
-              <a:ext uri="{FF2B5EF4-FFF2-40B4-BE49-F238E27FC236}">
-                <a16:creationId xmlns:a16="http://schemas.microsoft.com/office/drawing/2014/main" id="{0BB8B73E-8694-6E5C-32FC-DCD835757127}"/>
-              </a:ext>
-            </a:extLst>
-          </p:cNvPr>
-          <p:cNvPicPr>
-            <a:picLocks noChangeAspect="1"/>
-          </p:cNvPicPr>
-          <p:nvPr/>
-        </p:nvPicPr>
-        <p:blipFill>
-          <a:blip r:embed="rId8"/>
-          <a:stretch>
-            <a:fillRect/>
-          </a:stretch>
-        </p:blipFill>
-        <p:spPr>
-          <a:xfrm>
-            <a:off x="6074137" y="342900"/>
-            <a:ext cx="894003" cy="6229182"/>
-          </a:xfrm>
-          <a:prstGeom prst="rect">
-            <a:avLst/>
-          </a:prstGeom>
-        </p:spPr>
-      </p:pic>
-      <p:pic>
-        <p:nvPicPr>
-          <p:cNvPr id="17" name="그림 16">
-            <a:extLst>
-              <a:ext uri="{FF2B5EF4-FFF2-40B4-BE49-F238E27FC236}">
-                <a16:creationId xmlns:a16="http://schemas.microsoft.com/office/drawing/2014/main" id="{1045CAE7-61AC-5227-C598-64521C8726A3}"/>
-              </a:ext>
-            </a:extLst>
-          </p:cNvPr>
-          <p:cNvPicPr>
-            <a:picLocks noChangeAspect="1"/>
-          </p:cNvPicPr>
-          <p:nvPr/>
-        </p:nvPicPr>
-        <p:blipFill>
-          <a:blip r:embed="rId9"/>
-          <a:stretch>
-            <a:fillRect/>
-          </a:stretch>
-        </p:blipFill>
-        <p:spPr>
-          <a:xfrm>
-            <a:off x="7033269" y="342900"/>
-            <a:ext cx="925232" cy="3122658"/>
-          </a:xfrm>
-          <a:prstGeom prst="rect">
-            <a:avLst/>
-          </a:prstGeom>
-        </p:spPr>
-      </p:pic>
-    </p:spTree>
-    <p:extLst>
-      <p:ext uri="{BB962C8B-B14F-4D97-AF65-F5344CB8AC3E}">
-        <p14:creationId xmlns:p14="http://schemas.microsoft.com/office/powerpoint/2010/main" val="1757203847"/>
-      </p:ext>
-    </p:extLst>
-  </p:cSld>
-  <p:clrMapOvr>
-    <a:masterClrMapping/>
-  </p:clrMapOvr>
-</p:sld>
-</file>
-
-<file path=ppt/slides/slide9.xml><?xml version="1.0" encoding="utf-8"?>
-<p:sld xmlns:a="http://schemas.openxmlformats.org/drawingml/2006/main" xmlns:r="http://schemas.openxmlformats.org/officeDocument/2006/relationships" xmlns:p="http://schemas.openxmlformats.org/presentationml/2006/main">
-  <p:cSld>
-    <p:spTree>
-      <p:nvGrpSpPr>
-        <p:cNvPr id="1" name=""/>
-        <p:cNvGrpSpPr/>
-        <p:nvPr/>
-      </p:nvGrpSpPr>
-      <p:grpSpPr>
-        <a:xfrm>
-          <a:off x="0" y="0"/>
-          <a:ext cx="0" cy="0"/>
-          <a:chOff x="0" y="0"/>
-          <a:chExt cx="0" cy="0"/>
-        </a:xfrm>
-      </p:grpSpPr>
-      <p:pic>
-        <p:nvPicPr>
-          <p:cNvPr id="5" name="그림 4">
-            <a:extLst>
-              <a:ext uri="{FF2B5EF4-FFF2-40B4-BE49-F238E27FC236}">
-                <a16:creationId xmlns:a16="http://schemas.microsoft.com/office/drawing/2014/main" id="{AEFAB125-9F5B-CB95-405B-7B8801950520}"/>
-              </a:ext>
-            </a:extLst>
-          </p:cNvPr>
-          <p:cNvPicPr>
-            <a:picLocks noChangeAspect="1"/>
-          </p:cNvPicPr>
-          <p:nvPr/>
-        </p:nvPicPr>
-        <p:blipFill>
-          <a:blip r:embed="rId2"/>
-          <a:stretch>
-            <a:fillRect/>
-          </a:stretch>
-        </p:blipFill>
-        <p:spPr>
-          <a:xfrm>
-            <a:off x="423326" y="373118"/>
-            <a:ext cx="8312460" cy="6149367"/>
-          </a:xfrm>
-          <a:prstGeom prst="rect">
-            <a:avLst/>
-          </a:prstGeom>
-        </p:spPr>
-      </p:pic>
-    </p:spTree>
-    <p:extLst>
-      <p:ext uri="{BB962C8B-B14F-4D97-AF65-F5344CB8AC3E}">
-        <p14:creationId xmlns:p14="http://schemas.microsoft.com/office/powerpoint/2010/main" val="1971940025"/>
       </p:ext>
     </p:extLst>
   </p:cSld>

--- a/Python과제/Python_12강.pptx
+++ b/Python과제/Python_12강.pptx
@@ -3797,6 +3797,51 @@
           </a:prstGeom>
         </p:spPr>
       </p:pic>
+      <p:sp>
+        <p:nvSpPr>
+          <p:cNvPr id="2" name="TextBox 1">
+            <a:extLst>
+              <a:ext uri="{FF2B5EF4-FFF2-40B4-BE49-F238E27FC236}">
+                <a16:creationId xmlns:a16="http://schemas.microsoft.com/office/drawing/2014/main" id="{09CE9DBF-3064-4978-C2E9-DEE399B89234}"/>
+              </a:ext>
+            </a:extLst>
+          </p:cNvPr>
+          <p:cNvSpPr txBox="1"/>
+          <p:nvPr/>
+        </p:nvSpPr>
+        <p:spPr>
+          <a:xfrm>
+            <a:off x="9678652" y="411064"/>
+            <a:ext cx="2065283" cy="369332"/>
+          </a:xfrm>
+          <a:prstGeom prst="rect">
+            <a:avLst/>
+          </a:prstGeom>
+          <a:noFill/>
+        </p:spPr>
+        <p:txBody>
+          <a:bodyPr wrap="square" rtlCol="0">
+            <a:spAutoFit/>
+          </a:bodyPr>
+          <a:lstStyle/>
+          <a:p>
+            <a:pPr algn="ctr"/>
+            <a:r>
+              <a:rPr lang="en-US" altLang="ko-KR" b="1" dirty="0"/>
+              <a:t>&lt; print </a:t>
+            </a:r>
+            <a:r>
+              <a:rPr lang="ko-KR" altLang="en-US" b="1" dirty="0"/>
+              <a:t>결과 확인 </a:t>
+            </a:r>
+            <a:r>
+              <a:rPr lang="en-US" altLang="ko-KR" b="1" dirty="0"/>
+              <a:t>&gt;</a:t>
+            </a:r>
+            <a:endParaRPr lang="ko-KR" altLang="en-US" b="1" dirty="0"/>
+          </a:p>
+        </p:txBody>
+      </p:sp>
     </p:spTree>
     <p:extLst>
       <p:ext uri="{BB962C8B-B14F-4D97-AF65-F5344CB8AC3E}">
@@ -6285,6 +6330,51 @@
           </a:p>
         </p:txBody>
       </p:sp>
+      <p:sp>
+        <p:nvSpPr>
+          <p:cNvPr id="2" name="TextBox 1">
+            <a:extLst>
+              <a:ext uri="{FF2B5EF4-FFF2-40B4-BE49-F238E27FC236}">
+                <a16:creationId xmlns:a16="http://schemas.microsoft.com/office/drawing/2014/main" id="{58BF724C-D5DD-09CA-D4EC-1162B6DE97A6}"/>
+              </a:ext>
+            </a:extLst>
+          </p:cNvPr>
+          <p:cNvSpPr txBox="1"/>
+          <p:nvPr/>
+        </p:nvSpPr>
+        <p:spPr>
+          <a:xfrm>
+            <a:off x="426703" y="3841636"/>
+            <a:ext cx="2065283" cy="369332"/>
+          </a:xfrm>
+          <a:prstGeom prst="rect">
+            <a:avLst/>
+          </a:prstGeom>
+          <a:noFill/>
+        </p:spPr>
+        <p:txBody>
+          <a:bodyPr wrap="square" rtlCol="0">
+            <a:spAutoFit/>
+          </a:bodyPr>
+          <a:lstStyle/>
+          <a:p>
+            <a:pPr algn="ctr"/>
+            <a:r>
+              <a:rPr lang="en-US" altLang="ko-KR" b="1" dirty="0"/>
+              <a:t>&lt; print </a:t>
+            </a:r>
+            <a:r>
+              <a:rPr lang="ko-KR" altLang="en-US" b="1" dirty="0"/>
+              <a:t>결과 확인 </a:t>
+            </a:r>
+            <a:r>
+              <a:rPr lang="en-US" altLang="ko-KR" b="1" dirty="0"/>
+              <a:t>&gt;</a:t>
+            </a:r>
+            <a:endParaRPr lang="ko-KR" altLang="en-US" b="1" dirty="0"/>
+          </a:p>
+        </p:txBody>
+      </p:sp>
     </p:spTree>
     <p:extLst>
       <p:ext uri="{BB962C8B-B14F-4D97-AF65-F5344CB8AC3E}">
@@ -6446,16 +6536,16 @@
                 </a:solidFill>
                 <a:latin typeface="+mn-ea"/>
               </a:rPr>
-              <a:t>&lt; </a:t>
-            </a:r>
-            <a:r>
-              <a:rPr lang="ko-KR" altLang="en-US" sz="4800" b="1" dirty="0">
+              <a:t>&lt; 12</a:t>
+            </a:r>
+            <a:r>
+              <a:rPr lang="ko-KR" altLang="en-US" sz="4800" b="1">
                 <a:solidFill>
                   <a:schemeClr val="accent1"/>
                 </a:solidFill>
                 <a:latin typeface="+mn-ea"/>
               </a:rPr>
-              <a:t>정리하기 </a:t>
+              <a:t>강 정리하기 </a:t>
             </a:r>
             <a:r>
               <a:rPr lang="en-US" altLang="ko-KR" sz="4800" b="1" dirty="0">
@@ -6767,14 +6857,59 @@
         </p:blipFill>
         <p:spPr>
           <a:xfrm>
-            <a:off x="479928" y="5188341"/>
-            <a:ext cx="3079701" cy="1357719"/>
+            <a:off x="479928" y="5371037"/>
+            <a:ext cx="2665293" cy="1175023"/>
           </a:xfrm>
           <a:prstGeom prst="rect">
             <a:avLst/>
           </a:prstGeom>
         </p:spPr>
       </p:pic>
+      <p:sp>
+        <p:nvSpPr>
+          <p:cNvPr id="2" name="TextBox 1">
+            <a:extLst>
+              <a:ext uri="{FF2B5EF4-FFF2-40B4-BE49-F238E27FC236}">
+                <a16:creationId xmlns:a16="http://schemas.microsoft.com/office/drawing/2014/main" id="{C3D061C3-67EB-A099-A55F-C6D941C30E61}"/>
+              </a:ext>
+            </a:extLst>
+          </p:cNvPr>
+          <p:cNvSpPr txBox="1"/>
+          <p:nvPr/>
+        </p:nvSpPr>
+        <p:spPr>
+          <a:xfrm>
+            <a:off x="479928" y="5058463"/>
+            <a:ext cx="2065283" cy="369332"/>
+          </a:xfrm>
+          <a:prstGeom prst="rect">
+            <a:avLst/>
+          </a:prstGeom>
+          <a:noFill/>
+        </p:spPr>
+        <p:txBody>
+          <a:bodyPr wrap="square" rtlCol="0">
+            <a:spAutoFit/>
+          </a:bodyPr>
+          <a:lstStyle/>
+          <a:p>
+            <a:pPr algn="ctr"/>
+            <a:r>
+              <a:rPr lang="en-US" altLang="ko-KR" b="1" dirty="0"/>
+              <a:t>&lt; print </a:t>
+            </a:r>
+            <a:r>
+              <a:rPr lang="ko-KR" altLang="en-US" b="1" dirty="0"/>
+              <a:t>결과 확인 </a:t>
+            </a:r>
+            <a:r>
+              <a:rPr lang="en-US" altLang="ko-KR" b="1" dirty="0"/>
+              <a:t>&gt;</a:t>
+            </a:r>
+            <a:endParaRPr lang="ko-KR" altLang="en-US" b="1" dirty="0"/>
+          </a:p>
+        </p:txBody>
+      </p:sp>
     </p:spTree>
     <p:extLst>
       <p:ext uri="{BB962C8B-B14F-4D97-AF65-F5344CB8AC3E}">
@@ -7015,6 +7150,51 @@
           </a:prstGeom>
         </p:spPr>
       </p:pic>
+      <p:sp>
+        <p:nvSpPr>
+          <p:cNvPr id="2" name="TextBox 1">
+            <a:extLst>
+              <a:ext uri="{FF2B5EF4-FFF2-40B4-BE49-F238E27FC236}">
+                <a16:creationId xmlns:a16="http://schemas.microsoft.com/office/drawing/2014/main" id="{ACE501A7-F832-BE05-0AF7-99676815B62B}"/>
+              </a:ext>
+            </a:extLst>
+          </p:cNvPr>
+          <p:cNvSpPr txBox="1"/>
+          <p:nvPr/>
+        </p:nvSpPr>
+        <p:spPr>
+          <a:xfrm>
+            <a:off x="9740816" y="482009"/>
+            <a:ext cx="2065283" cy="369332"/>
+          </a:xfrm>
+          <a:prstGeom prst="rect">
+            <a:avLst/>
+          </a:prstGeom>
+          <a:noFill/>
+        </p:spPr>
+        <p:txBody>
+          <a:bodyPr wrap="square" rtlCol="0">
+            <a:spAutoFit/>
+          </a:bodyPr>
+          <a:lstStyle/>
+          <a:p>
+            <a:pPr algn="ctr"/>
+            <a:r>
+              <a:rPr lang="en-US" altLang="ko-KR" b="1" dirty="0"/>
+              <a:t>&lt; print </a:t>
+            </a:r>
+            <a:r>
+              <a:rPr lang="ko-KR" altLang="en-US" b="1" dirty="0"/>
+              <a:t>결과 확인 </a:t>
+            </a:r>
+            <a:r>
+              <a:rPr lang="en-US" altLang="ko-KR" b="1" dirty="0"/>
+              <a:t>&gt;</a:t>
+            </a:r>
+            <a:endParaRPr lang="ko-KR" altLang="en-US" b="1" dirty="0"/>
+          </a:p>
+        </p:txBody>
+      </p:sp>
     </p:spTree>
     <p:extLst>
       <p:ext uri="{BB962C8B-B14F-4D97-AF65-F5344CB8AC3E}">
@@ -7225,6 +7405,51 @@
           </a:prstGeom>
         </p:spPr>
       </p:pic>
+      <p:sp>
+        <p:nvSpPr>
+          <p:cNvPr id="2" name="TextBox 1">
+            <a:extLst>
+              <a:ext uri="{FF2B5EF4-FFF2-40B4-BE49-F238E27FC236}">
+                <a16:creationId xmlns:a16="http://schemas.microsoft.com/office/drawing/2014/main" id="{031D2953-325E-5053-D216-13F19DF6647E}"/>
+              </a:ext>
+            </a:extLst>
+          </p:cNvPr>
+          <p:cNvSpPr txBox="1"/>
+          <p:nvPr/>
+        </p:nvSpPr>
+        <p:spPr>
+          <a:xfrm>
+            <a:off x="4448505" y="425948"/>
+            <a:ext cx="2065283" cy="369332"/>
+          </a:xfrm>
+          <a:prstGeom prst="rect">
+            <a:avLst/>
+          </a:prstGeom>
+          <a:noFill/>
+        </p:spPr>
+        <p:txBody>
+          <a:bodyPr wrap="square" rtlCol="0">
+            <a:spAutoFit/>
+          </a:bodyPr>
+          <a:lstStyle/>
+          <a:p>
+            <a:pPr algn="ctr"/>
+            <a:r>
+              <a:rPr lang="en-US" altLang="ko-KR" b="1" dirty="0"/>
+              <a:t>&lt; print </a:t>
+            </a:r>
+            <a:r>
+              <a:rPr lang="ko-KR" altLang="en-US" b="1" dirty="0"/>
+              <a:t>결과 확인 </a:t>
+            </a:r>
+            <a:r>
+              <a:rPr lang="en-US" altLang="ko-KR" b="1" dirty="0"/>
+              <a:t>&gt;</a:t>
+            </a:r>
+            <a:endParaRPr lang="ko-KR" altLang="en-US" b="1" dirty="0"/>
+          </a:p>
+        </p:txBody>
+      </p:sp>
     </p:spTree>
     <p:extLst>
       <p:ext uri="{BB962C8B-B14F-4D97-AF65-F5344CB8AC3E}">
